--- a/Geospatial Online Project.pptx
+++ b/Geospatial Online Project.pptx
@@ -4,6 +4,9 @@
   <p:sldMasterIdLst>
     <p:sldMasterId id="2147483648" r:id="rId1"/>
   </p:sldMasterIdLst>
+  <p:notesMasterIdLst>
+    <p:notesMasterId r:id="rId6"/>
+  </p:notesMasterIdLst>
   <p:sldIdLst>
     <p:sldId id="257" r:id="rId2"/>
     <p:sldId id="256" r:id="rId3"/>
@@ -108,6 +111,440 @@
     </a:lvl9pPr>
   </p:defaultTextStyle>
 </p:presentation>
+</file>
+
+<file path=ppt/notesMasters/notesMaster1.xml><?xml version="1.0" encoding="utf-8"?>
+<p:notesMaster xmlns:a="http://schemas.openxmlformats.org/drawingml/2006/main" xmlns:r="http://schemas.openxmlformats.org/officeDocument/2006/relationships" xmlns:p="http://schemas.openxmlformats.org/presentationml/2006/main">
+  <p:cSld>
+    <p:bg>
+      <p:bgRef idx="1001">
+        <a:schemeClr val="bg1"/>
+      </p:bgRef>
+    </p:bg>
+    <p:spTree>
+      <p:nvGrpSpPr>
+        <p:cNvPr id="1" name=""/>
+        <p:cNvGrpSpPr/>
+        <p:nvPr/>
+      </p:nvGrpSpPr>
+      <p:grpSpPr>
+        <a:xfrm>
+          <a:off x="0" y="0"/>
+          <a:ext cx="0" cy="0"/>
+          <a:chOff x="0" y="0"/>
+          <a:chExt cx="0" cy="0"/>
+        </a:xfrm>
+      </p:grpSpPr>
+      <p:sp>
+        <p:nvSpPr>
+          <p:cNvPr id="2" name="Header Placeholder 1"/>
+          <p:cNvSpPr>
+            <a:spLocks noGrp="1"/>
+          </p:cNvSpPr>
+          <p:nvPr>
+            <p:ph type="hdr" sz="quarter"/>
+          </p:nvPr>
+        </p:nvSpPr>
+        <p:spPr>
+          <a:xfrm>
+            <a:off x="0" y="0"/>
+            <a:ext cx="2971800" cy="458788"/>
+          </a:xfrm>
+          <a:prstGeom prst="rect">
+            <a:avLst/>
+          </a:prstGeom>
+        </p:spPr>
+        <p:txBody>
+          <a:bodyPr vert="horz" lIns="91440" tIns="45720" rIns="91440" bIns="45720" rtlCol="0"/>
+          <a:lstStyle>
+            <a:lvl1pPr algn="l">
+              <a:defRPr sz="1200"/>
+            </a:lvl1pPr>
+          </a:lstStyle>
+          <a:p>
+            <a:endParaRPr lang="en-US"/>
+          </a:p>
+        </p:txBody>
+      </p:sp>
+      <p:sp>
+        <p:nvSpPr>
+          <p:cNvPr id="3" name="Date Placeholder 2"/>
+          <p:cNvSpPr>
+            <a:spLocks noGrp="1"/>
+          </p:cNvSpPr>
+          <p:nvPr>
+            <p:ph type="dt" idx="1"/>
+          </p:nvPr>
+        </p:nvSpPr>
+        <p:spPr>
+          <a:xfrm>
+            <a:off x="3884613" y="0"/>
+            <a:ext cx="2971800" cy="458788"/>
+          </a:xfrm>
+          <a:prstGeom prst="rect">
+            <a:avLst/>
+          </a:prstGeom>
+        </p:spPr>
+        <p:txBody>
+          <a:bodyPr vert="horz" lIns="91440" tIns="45720" rIns="91440" bIns="45720" rtlCol="0"/>
+          <a:lstStyle>
+            <a:lvl1pPr algn="r">
+              <a:defRPr sz="1200"/>
+            </a:lvl1pPr>
+          </a:lstStyle>
+          <a:p>
+            <a:fld id="{80E3B001-5E78-E44B-8F47-334256898A57}" type="datetimeFigureOut">
+              <a:rPr lang="en-US" smtClean="0"/>
+              <a:t>5/24/17</a:t>
+            </a:fld>
+            <a:endParaRPr lang="en-US"/>
+          </a:p>
+        </p:txBody>
+      </p:sp>
+      <p:sp>
+        <p:nvSpPr>
+          <p:cNvPr id="4" name="Slide Image Placeholder 3"/>
+          <p:cNvSpPr>
+            <a:spLocks noGrp="1" noRot="1" noChangeAspect="1"/>
+          </p:cNvSpPr>
+          <p:nvPr>
+            <p:ph type="sldImg" idx="2"/>
+          </p:nvPr>
+        </p:nvSpPr>
+        <p:spPr>
+          <a:xfrm>
+            <a:off x="685800" y="1143000"/>
+            <a:ext cx="5486400" cy="3086100"/>
+          </a:xfrm>
+          <a:prstGeom prst="rect">
+            <a:avLst/>
+          </a:prstGeom>
+          <a:noFill/>
+          <a:ln w="12700">
+            <a:solidFill>
+              <a:prstClr val="black"/>
+            </a:solidFill>
+          </a:ln>
+        </p:spPr>
+        <p:txBody>
+          <a:bodyPr vert="horz" lIns="91440" tIns="45720" rIns="91440" bIns="45720" rtlCol="0" anchor="ctr"/>
+          <a:lstStyle/>
+          <a:p>
+            <a:endParaRPr lang="en-US"/>
+          </a:p>
+        </p:txBody>
+      </p:sp>
+      <p:sp>
+        <p:nvSpPr>
+          <p:cNvPr id="5" name="Notes Placeholder 4"/>
+          <p:cNvSpPr>
+            <a:spLocks noGrp="1"/>
+          </p:cNvSpPr>
+          <p:nvPr>
+            <p:ph type="body" sz="quarter" idx="3"/>
+          </p:nvPr>
+        </p:nvSpPr>
+        <p:spPr>
+          <a:xfrm>
+            <a:off x="685800" y="4400550"/>
+            <a:ext cx="5486400" cy="3600450"/>
+          </a:xfrm>
+          <a:prstGeom prst="rect">
+            <a:avLst/>
+          </a:prstGeom>
+        </p:spPr>
+        <p:txBody>
+          <a:bodyPr vert="horz" lIns="91440" tIns="45720" rIns="91440" bIns="45720" rtlCol="0"/>
+          <a:lstStyle/>
+          <a:p>
+            <a:pPr lvl="0"/>
+            <a:r>
+              <a:rPr lang="en-US" smtClean="0"/>
+              <a:t>Click to edit Master text styles</a:t>
+            </a:r>
+          </a:p>
+          <a:p>
+            <a:pPr lvl="1"/>
+            <a:r>
+              <a:rPr lang="en-US" smtClean="0"/>
+              <a:t>Second level</a:t>
+            </a:r>
+          </a:p>
+          <a:p>
+            <a:pPr lvl="2"/>
+            <a:r>
+              <a:rPr lang="en-US" smtClean="0"/>
+              <a:t>Third level</a:t>
+            </a:r>
+          </a:p>
+          <a:p>
+            <a:pPr lvl="3"/>
+            <a:r>
+              <a:rPr lang="en-US" smtClean="0"/>
+              <a:t>Fourth level</a:t>
+            </a:r>
+          </a:p>
+          <a:p>
+            <a:pPr lvl="4"/>
+            <a:r>
+              <a:rPr lang="en-US" smtClean="0"/>
+              <a:t>Fifth level</a:t>
+            </a:r>
+            <a:endParaRPr lang="en-US"/>
+          </a:p>
+        </p:txBody>
+      </p:sp>
+      <p:sp>
+        <p:nvSpPr>
+          <p:cNvPr id="6" name="Footer Placeholder 5"/>
+          <p:cNvSpPr>
+            <a:spLocks noGrp="1"/>
+          </p:cNvSpPr>
+          <p:nvPr>
+            <p:ph type="ftr" sz="quarter" idx="4"/>
+          </p:nvPr>
+        </p:nvSpPr>
+        <p:spPr>
+          <a:xfrm>
+            <a:off x="0" y="8685213"/>
+            <a:ext cx="2971800" cy="458787"/>
+          </a:xfrm>
+          <a:prstGeom prst="rect">
+            <a:avLst/>
+          </a:prstGeom>
+        </p:spPr>
+        <p:txBody>
+          <a:bodyPr vert="horz" lIns="91440" tIns="45720" rIns="91440" bIns="45720" rtlCol="0" anchor="b"/>
+          <a:lstStyle>
+            <a:lvl1pPr algn="l">
+              <a:defRPr sz="1200"/>
+            </a:lvl1pPr>
+          </a:lstStyle>
+          <a:p>
+            <a:endParaRPr lang="en-US"/>
+          </a:p>
+        </p:txBody>
+      </p:sp>
+      <p:sp>
+        <p:nvSpPr>
+          <p:cNvPr id="7" name="Slide Number Placeholder 6"/>
+          <p:cNvSpPr>
+            <a:spLocks noGrp="1"/>
+          </p:cNvSpPr>
+          <p:nvPr>
+            <p:ph type="sldNum" sz="quarter" idx="5"/>
+          </p:nvPr>
+        </p:nvSpPr>
+        <p:spPr>
+          <a:xfrm>
+            <a:off x="3884613" y="8685213"/>
+            <a:ext cx="2971800" cy="458787"/>
+          </a:xfrm>
+          <a:prstGeom prst="rect">
+            <a:avLst/>
+          </a:prstGeom>
+        </p:spPr>
+        <p:txBody>
+          <a:bodyPr vert="horz" lIns="91440" tIns="45720" rIns="91440" bIns="45720" rtlCol="0" anchor="b"/>
+          <a:lstStyle>
+            <a:lvl1pPr algn="r">
+              <a:defRPr sz="1200"/>
+            </a:lvl1pPr>
+          </a:lstStyle>
+          <a:p>
+            <a:fld id="{925689F2-BBCC-4249-A1C0-857DB06C99E6}" type="slidenum">
+              <a:rPr lang="en-US" smtClean="0"/>
+              <a:t>‹#›</a:t>
+            </a:fld>
+            <a:endParaRPr lang="en-US"/>
+          </a:p>
+        </p:txBody>
+      </p:sp>
+    </p:spTree>
+    <p:extLst>
+      <p:ext uri="{BB962C8B-B14F-4D97-AF65-F5344CB8AC3E}">
+        <p14:creationId xmlns:p14="http://schemas.microsoft.com/office/powerpoint/2010/main" val="1868424103"/>
+      </p:ext>
+    </p:extLst>
+  </p:cSld>
+  <p:clrMap bg1="lt1" tx1="dk1" bg2="lt2" tx2="dk2" accent1="accent1" accent2="accent2" accent3="accent3" accent4="accent4" accent5="accent5" accent6="accent6" hlink="hlink" folHlink="folHlink"/>
+  <p:notesStyle>
+    <a:lvl1pPr marL="0" algn="l" defTabSz="914400" rtl="0" eaLnBrk="1" latinLnBrk="0" hangingPunct="1">
+      <a:defRPr sz="1200" kern="1200">
+        <a:solidFill>
+          <a:schemeClr val="tx1"/>
+        </a:solidFill>
+        <a:latin typeface="+mn-lt"/>
+        <a:ea typeface="+mn-ea"/>
+        <a:cs typeface="+mn-cs"/>
+      </a:defRPr>
+    </a:lvl1pPr>
+    <a:lvl2pPr marL="457200" algn="l" defTabSz="914400" rtl="0" eaLnBrk="1" latinLnBrk="0" hangingPunct="1">
+      <a:defRPr sz="1200" kern="1200">
+        <a:solidFill>
+          <a:schemeClr val="tx1"/>
+        </a:solidFill>
+        <a:latin typeface="+mn-lt"/>
+        <a:ea typeface="+mn-ea"/>
+        <a:cs typeface="+mn-cs"/>
+      </a:defRPr>
+    </a:lvl2pPr>
+    <a:lvl3pPr marL="914400" algn="l" defTabSz="914400" rtl="0" eaLnBrk="1" latinLnBrk="0" hangingPunct="1">
+      <a:defRPr sz="1200" kern="1200">
+        <a:solidFill>
+          <a:schemeClr val="tx1"/>
+        </a:solidFill>
+        <a:latin typeface="+mn-lt"/>
+        <a:ea typeface="+mn-ea"/>
+        <a:cs typeface="+mn-cs"/>
+      </a:defRPr>
+    </a:lvl3pPr>
+    <a:lvl4pPr marL="1371600" algn="l" defTabSz="914400" rtl="0" eaLnBrk="1" latinLnBrk="0" hangingPunct="1">
+      <a:defRPr sz="1200" kern="1200">
+        <a:solidFill>
+          <a:schemeClr val="tx1"/>
+        </a:solidFill>
+        <a:latin typeface="+mn-lt"/>
+        <a:ea typeface="+mn-ea"/>
+        <a:cs typeface="+mn-cs"/>
+      </a:defRPr>
+    </a:lvl4pPr>
+    <a:lvl5pPr marL="1828800" algn="l" defTabSz="914400" rtl="0" eaLnBrk="1" latinLnBrk="0" hangingPunct="1">
+      <a:defRPr sz="1200" kern="1200">
+        <a:solidFill>
+          <a:schemeClr val="tx1"/>
+        </a:solidFill>
+        <a:latin typeface="+mn-lt"/>
+        <a:ea typeface="+mn-ea"/>
+        <a:cs typeface="+mn-cs"/>
+      </a:defRPr>
+    </a:lvl5pPr>
+    <a:lvl6pPr marL="2286000" algn="l" defTabSz="914400" rtl="0" eaLnBrk="1" latinLnBrk="0" hangingPunct="1">
+      <a:defRPr sz="1200" kern="1200">
+        <a:solidFill>
+          <a:schemeClr val="tx1"/>
+        </a:solidFill>
+        <a:latin typeface="+mn-lt"/>
+        <a:ea typeface="+mn-ea"/>
+        <a:cs typeface="+mn-cs"/>
+      </a:defRPr>
+    </a:lvl6pPr>
+    <a:lvl7pPr marL="2743200" algn="l" defTabSz="914400" rtl="0" eaLnBrk="1" latinLnBrk="0" hangingPunct="1">
+      <a:defRPr sz="1200" kern="1200">
+        <a:solidFill>
+          <a:schemeClr val="tx1"/>
+        </a:solidFill>
+        <a:latin typeface="+mn-lt"/>
+        <a:ea typeface="+mn-ea"/>
+        <a:cs typeface="+mn-cs"/>
+      </a:defRPr>
+    </a:lvl7pPr>
+    <a:lvl8pPr marL="3200400" algn="l" defTabSz="914400" rtl="0" eaLnBrk="1" latinLnBrk="0" hangingPunct="1">
+      <a:defRPr sz="1200" kern="1200">
+        <a:solidFill>
+          <a:schemeClr val="tx1"/>
+        </a:solidFill>
+        <a:latin typeface="+mn-lt"/>
+        <a:ea typeface="+mn-ea"/>
+        <a:cs typeface="+mn-cs"/>
+      </a:defRPr>
+    </a:lvl8pPr>
+    <a:lvl9pPr marL="3657600" algn="l" defTabSz="914400" rtl="0" eaLnBrk="1" latinLnBrk="0" hangingPunct="1">
+      <a:defRPr sz="1200" kern="1200">
+        <a:solidFill>
+          <a:schemeClr val="tx1"/>
+        </a:solidFill>
+        <a:latin typeface="+mn-lt"/>
+        <a:ea typeface="+mn-ea"/>
+        <a:cs typeface="+mn-cs"/>
+      </a:defRPr>
+    </a:lvl9pPr>
+  </p:notesStyle>
+</p:notesMaster>
+</file>
+
+<file path=ppt/notesSlides/notesSlide1.xml><?xml version="1.0" encoding="utf-8"?>
+<p:notes xmlns:a="http://schemas.openxmlformats.org/drawingml/2006/main" xmlns:r="http://schemas.openxmlformats.org/officeDocument/2006/relationships" xmlns:p="http://schemas.openxmlformats.org/presentationml/2006/main">
+  <p:cSld>
+    <p:spTree>
+      <p:nvGrpSpPr>
+        <p:cNvPr id="1" name=""/>
+        <p:cNvGrpSpPr/>
+        <p:nvPr/>
+      </p:nvGrpSpPr>
+      <p:grpSpPr>
+        <a:xfrm>
+          <a:off x="0" y="0"/>
+          <a:ext cx="0" cy="0"/>
+          <a:chOff x="0" y="0"/>
+          <a:chExt cx="0" cy="0"/>
+        </a:xfrm>
+      </p:grpSpPr>
+      <p:sp>
+        <p:nvSpPr>
+          <p:cNvPr id="2" name="Slide Image Placeholder 1"/>
+          <p:cNvSpPr>
+            <a:spLocks noGrp="1" noRot="1" noChangeAspect="1"/>
+          </p:cNvSpPr>
+          <p:nvPr>
+            <p:ph type="sldImg"/>
+          </p:nvPr>
+        </p:nvSpPr>
+        <p:spPr/>
+      </p:sp>
+      <p:sp>
+        <p:nvSpPr>
+          <p:cNvPr id="3" name="Notes Placeholder 2"/>
+          <p:cNvSpPr>
+            <a:spLocks noGrp="1"/>
+          </p:cNvSpPr>
+          <p:nvPr>
+            <p:ph type="body" idx="1"/>
+          </p:nvPr>
+        </p:nvSpPr>
+        <p:spPr/>
+        <p:txBody>
+          <a:bodyPr/>
+          <a:lstStyle/>
+          <a:p>
+            <a:endParaRPr lang="en-US" dirty="0"/>
+          </a:p>
+        </p:txBody>
+      </p:sp>
+      <p:sp>
+        <p:nvSpPr>
+          <p:cNvPr id="4" name="Slide Number Placeholder 3"/>
+          <p:cNvSpPr>
+            <a:spLocks noGrp="1"/>
+          </p:cNvSpPr>
+          <p:nvPr>
+            <p:ph type="sldNum" sz="quarter" idx="10"/>
+          </p:nvPr>
+        </p:nvSpPr>
+        <p:spPr/>
+        <p:txBody>
+          <a:bodyPr/>
+          <a:lstStyle/>
+          <a:p>
+            <a:fld id="{925689F2-BBCC-4249-A1C0-857DB06C99E6}" type="slidenum">
+              <a:rPr lang="en-US" smtClean="0"/>
+              <a:t>4</a:t>
+            </a:fld>
+            <a:endParaRPr lang="en-US"/>
+          </a:p>
+        </p:txBody>
+      </p:sp>
+    </p:spTree>
+    <p:extLst>
+      <p:ext uri="{BB962C8B-B14F-4D97-AF65-F5344CB8AC3E}">
+        <p14:creationId xmlns:p14="http://schemas.microsoft.com/office/powerpoint/2010/main" val="2098012687"/>
+      </p:ext>
+    </p:extLst>
+  </p:cSld>
+  <p:clrMapOvr>
+    <a:masterClrMapping/>
+  </p:clrMapOvr>
+</p:notes>
 </file>
 
 <file path=ppt/slideLayouts/slideLayout1.xml><?xml version="1.0" encoding="utf-8"?>
@@ -3258,7 +3695,7 @@
         </p:nvSpPr>
         <p:spPr>
           <a:xfrm>
-            <a:off x="2217106" y="638827"/>
+            <a:off x="2217106" y="323867"/>
             <a:ext cx="6050071" cy="663880"/>
           </a:xfrm>
           <a:noFill/>
@@ -3275,7 +3712,7 @@
                   <a:srgbClr val="FF0000"/>
                 </a:solidFill>
               </a:rPr>
-              <a:t>Geospatial Online Project</a:t>
+              <a:t>schemas</a:t>
             </a:r>
             <a:endParaRPr lang="en-US" sz="2400" b="1" dirty="0">
               <a:solidFill>
@@ -4750,4 +5187,265 @@
     </a:ext>
   </a:extLst>
 </a:theme>
+</file>
+
+<file path=ppt/theme/theme2.xml><?xml version="1.0" encoding="utf-8"?>
+<a:theme xmlns:a="http://schemas.openxmlformats.org/drawingml/2006/main" name="Office Theme">
+  <a:themeElements>
+    <a:clrScheme name="Office">
+      <a:dk1>
+        <a:sysClr val="windowText" lastClr="000000"/>
+      </a:dk1>
+      <a:lt1>
+        <a:sysClr val="window" lastClr="FFFFFF"/>
+      </a:lt1>
+      <a:dk2>
+        <a:srgbClr val="44546A"/>
+      </a:dk2>
+      <a:lt2>
+        <a:srgbClr val="E7E6E6"/>
+      </a:lt2>
+      <a:accent1>
+        <a:srgbClr val="4472C4"/>
+      </a:accent1>
+      <a:accent2>
+        <a:srgbClr val="ED7D31"/>
+      </a:accent2>
+      <a:accent3>
+        <a:srgbClr val="A5A5A5"/>
+      </a:accent3>
+      <a:accent4>
+        <a:srgbClr val="FFC000"/>
+      </a:accent4>
+      <a:accent5>
+        <a:srgbClr val="5B9BD5"/>
+      </a:accent5>
+      <a:accent6>
+        <a:srgbClr val="70AD47"/>
+      </a:accent6>
+      <a:hlink>
+        <a:srgbClr val="0563C1"/>
+      </a:hlink>
+      <a:folHlink>
+        <a:srgbClr val="954F72"/>
+      </a:folHlink>
+    </a:clrScheme>
+    <a:fontScheme name="Office">
+      <a:majorFont>
+        <a:latin typeface="Calibri Light" panose="020F0302020204030204"/>
+        <a:ea typeface=""/>
+        <a:cs typeface=""/>
+        <a:font script="Jpan" typeface="Yu Gothic Light"/>
+        <a:font script="Hang" typeface="맑은 고딕"/>
+        <a:font script="Hans" typeface="DengXian Light"/>
+        <a:font script="Hant" typeface="新細明體"/>
+        <a:font script="Arab" typeface="Times New Roman"/>
+        <a:font script="Hebr" typeface="Times New Roman"/>
+        <a:font script="Thai" typeface="Angsana New"/>
+        <a:font script="Ethi" typeface="Nyala"/>
+        <a:font script="Beng" typeface="Vrinda"/>
+        <a:font script="Gujr" typeface="Shruti"/>
+        <a:font script="Khmr" typeface="MoolBoran"/>
+        <a:font script="Knda" typeface="Tunga"/>
+        <a:font script="Guru" typeface="Raavi"/>
+        <a:font script="Cans" typeface="Euphemia"/>
+        <a:font script="Cher" typeface="Plantagenet Cherokee"/>
+        <a:font script="Yiii" typeface="Microsoft Yi Baiti"/>
+        <a:font script="Tibt" typeface="Microsoft Himalaya"/>
+        <a:font script="Thaa" typeface="MV Boli"/>
+        <a:font script="Deva" typeface="Mangal"/>
+        <a:font script="Telu" typeface="Gautami"/>
+        <a:font script="Taml" typeface="Latha"/>
+        <a:font script="Syrc" typeface="Estrangelo Edessa"/>
+        <a:font script="Orya" typeface="Kalinga"/>
+        <a:font script="Mlym" typeface="Kartika"/>
+        <a:font script="Laoo" typeface="DokChampa"/>
+        <a:font script="Sinh" typeface="Iskoola Pota"/>
+        <a:font script="Mong" typeface="Mongolian Baiti"/>
+        <a:font script="Viet" typeface="Times New Roman"/>
+        <a:font script="Uigh" typeface="Microsoft Uighur"/>
+        <a:font script="Geor" typeface="Sylfaen"/>
+      </a:majorFont>
+      <a:minorFont>
+        <a:latin typeface="Calibri" panose="020F0502020204030204"/>
+        <a:ea typeface=""/>
+        <a:cs typeface=""/>
+        <a:font script="Jpan" typeface="Yu Gothic"/>
+        <a:font script="Hang" typeface="맑은 고딕"/>
+        <a:font script="Hans" typeface="DengXian"/>
+        <a:font script="Hant" typeface="新細明體"/>
+        <a:font script="Arab" typeface="Arial"/>
+        <a:font script="Hebr" typeface="Arial"/>
+        <a:font script="Thai" typeface="Cordia New"/>
+        <a:font script="Ethi" typeface="Nyala"/>
+        <a:font script="Beng" typeface="Vrinda"/>
+        <a:font script="Gujr" typeface="Shruti"/>
+        <a:font script="Khmr" typeface="DaunPenh"/>
+        <a:font script="Knda" typeface="Tunga"/>
+        <a:font script="Guru" typeface="Raavi"/>
+        <a:font script="Cans" typeface="Euphemia"/>
+        <a:font script="Cher" typeface="Plantagenet Cherokee"/>
+        <a:font script="Yiii" typeface="Microsoft Yi Baiti"/>
+        <a:font script="Tibt" typeface="Microsoft Himalaya"/>
+        <a:font script="Thaa" typeface="MV Boli"/>
+        <a:font script="Deva" typeface="Mangal"/>
+        <a:font script="Telu" typeface="Gautami"/>
+        <a:font script="Taml" typeface="Latha"/>
+        <a:font script="Syrc" typeface="Estrangelo Edessa"/>
+        <a:font script="Orya" typeface="Kalinga"/>
+        <a:font script="Mlym" typeface="Kartika"/>
+        <a:font script="Laoo" typeface="DokChampa"/>
+        <a:font script="Sinh" typeface="Iskoola Pota"/>
+        <a:font script="Mong" typeface="Mongolian Baiti"/>
+        <a:font script="Viet" typeface="Arial"/>
+        <a:font script="Uigh" typeface="Microsoft Uighur"/>
+        <a:font script="Geor" typeface="Sylfaen"/>
+      </a:minorFont>
+    </a:fontScheme>
+    <a:fmtScheme name="Office">
+      <a:fillStyleLst>
+        <a:solidFill>
+          <a:schemeClr val="phClr"/>
+        </a:solidFill>
+        <a:gradFill rotWithShape="1">
+          <a:gsLst>
+            <a:gs pos="0">
+              <a:schemeClr val="phClr">
+                <a:lumMod val="110000"/>
+                <a:satMod val="105000"/>
+                <a:tint val="67000"/>
+              </a:schemeClr>
+            </a:gs>
+            <a:gs pos="50000">
+              <a:schemeClr val="phClr">
+                <a:lumMod val="105000"/>
+                <a:satMod val="103000"/>
+                <a:tint val="73000"/>
+              </a:schemeClr>
+            </a:gs>
+            <a:gs pos="100000">
+              <a:schemeClr val="phClr">
+                <a:lumMod val="105000"/>
+                <a:satMod val="109000"/>
+                <a:tint val="81000"/>
+              </a:schemeClr>
+            </a:gs>
+          </a:gsLst>
+          <a:lin ang="5400000" scaled="0"/>
+        </a:gradFill>
+        <a:gradFill rotWithShape="1">
+          <a:gsLst>
+            <a:gs pos="0">
+              <a:schemeClr val="phClr">
+                <a:satMod val="103000"/>
+                <a:lumMod val="102000"/>
+                <a:tint val="94000"/>
+              </a:schemeClr>
+            </a:gs>
+            <a:gs pos="50000">
+              <a:schemeClr val="phClr">
+                <a:satMod val="110000"/>
+                <a:lumMod val="100000"/>
+                <a:shade val="100000"/>
+              </a:schemeClr>
+            </a:gs>
+            <a:gs pos="100000">
+              <a:schemeClr val="phClr">
+                <a:lumMod val="99000"/>
+                <a:satMod val="120000"/>
+                <a:shade val="78000"/>
+              </a:schemeClr>
+            </a:gs>
+          </a:gsLst>
+          <a:lin ang="5400000" scaled="0"/>
+        </a:gradFill>
+      </a:fillStyleLst>
+      <a:lnStyleLst>
+        <a:ln w="6350" cap="flat" cmpd="sng" algn="ctr">
+          <a:solidFill>
+            <a:schemeClr val="phClr"/>
+          </a:solidFill>
+          <a:prstDash val="solid"/>
+          <a:miter lim="800000"/>
+        </a:ln>
+        <a:ln w="12700" cap="flat" cmpd="sng" algn="ctr">
+          <a:solidFill>
+            <a:schemeClr val="phClr"/>
+          </a:solidFill>
+          <a:prstDash val="solid"/>
+          <a:miter lim="800000"/>
+        </a:ln>
+        <a:ln w="19050" cap="flat" cmpd="sng" algn="ctr">
+          <a:solidFill>
+            <a:schemeClr val="phClr"/>
+          </a:solidFill>
+          <a:prstDash val="solid"/>
+          <a:miter lim="800000"/>
+        </a:ln>
+      </a:lnStyleLst>
+      <a:effectStyleLst>
+        <a:effectStyle>
+          <a:effectLst/>
+        </a:effectStyle>
+        <a:effectStyle>
+          <a:effectLst/>
+        </a:effectStyle>
+        <a:effectStyle>
+          <a:effectLst>
+            <a:outerShdw blurRad="57150" dist="19050" dir="5400000" algn="ctr" rotWithShape="0">
+              <a:srgbClr val="000000">
+                <a:alpha val="63000"/>
+              </a:srgbClr>
+            </a:outerShdw>
+          </a:effectLst>
+        </a:effectStyle>
+      </a:effectStyleLst>
+      <a:bgFillStyleLst>
+        <a:solidFill>
+          <a:schemeClr val="phClr"/>
+        </a:solidFill>
+        <a:solidFill>
+          <a:schemeClr val="phClr">
+            <a:tint val="95000"/>
+            <a:satMod val="170000"/>
+          </a:schemeClr>
+        </a:solidFill>
+        <a:gradFill rotWithShape="1">
+          <a:gsLst>
+            <a:gs pos="0">
+              <a:schemeClr val="phClr">
+                <a:tint val="93000"/>
+                <a:satMod val="150000"/>
+                <a:shade val="98000"/>
+                <a:lumMod val="102000"/>
+              </a:schemeClr>
+            </a:gs>
+            <a:gs pos="50000">
+              <a:schemeClr val="phClr">
+                <a:tint val="98000"/>
+                <a:satMod val="130000"/>
+                <a:shade val="90000"/>
+                <a:lumMod val="103000"/>
+              </a:schemeClr>
+            </a:gs>
+            <a:gs pos="100000">
+              <a:schemeClr val="phClr">
+                <a:shade val="63000"/>
+                <a:satMod val="120000"/>
+              </a:schemeClr>
+            </a:gs>
+          </a:gsLst>
+          <a:lin ang="5400000" scaled="0"/>
+        </a:gradFill>
+      </a:bgFillStyleLst>
+    </a:fmtScheme>
+  </a:themeElements>
+  <a:objectDefaults/>
+  <a:extraClrSchemeLst/>
+  <a:extLst>
+    <a:ext uri="{05A4C25C-085E-4340-85A3-A5531E510DB2}">
+      <thm15:themeFamily xmlns:thm15="http://schemas.microsoft.com/office/thememl/2012/main" name="Office Theme" id="{62F939B6-93AF-4DB8-9C6B-D6C7DFDC589F}" vid="{4A3C46E8-61CC-4603-A589-7422A47A8E4A}"/>
+    </a:ext>
+  </a:extLst>
+</a:theme>
 </file>
--- a/Geospatial Online Project.pptx
+++ b/Geospatial Online Project.pptx
@@ -5,13 +5,14 @@
     <p:sldMasterId id="2147483648" r:id="rId1"/>
   </p:sldMasterIdLst>
   <p:notesMasterIdLst>
-    <p:notesMasterId r:id="rId6"/>
+    <p:notesMasterId r:id="rId7"/>
   </p:notesMasterIdLst>
   <p:sldIdLst>
     <p:sldId id="257" r:id="rId2"/>
     <p:sldId id="256" r:id="rId3"/>
-    <p:sldId id="258" r:id="rId4"/>
-    <p:sldId id="259" r:id="rId5"/>
+    <p:sldId id="260" r:id="rId4"/>
+    <p:sldId id="258" r:id="rId5"/>
+    <p:sldId id="259" r:id="rId6"/>
   </p:sldIdLst>
   <p:sldSz cx="12192000" cy="6858000"/>
   <p:notesSz cx="6858000" cy="9144000"/>
@@ -110,6 +111,11 @@
       </a:defRPr>
     </a:lvl9pPr>
   </p:defaultTextStyle>
+  <p:extLst>
+    <p:ext uri="{EFAFB233-063F-42B5-8137-9DF3F51BA10A}">
+      <p15:sldGuideLst xmlns:p15="http://schemas.microsoft.com/office/powerpoint/2012/main"/>
+    </p:ext>
+  </p:extLst>
 </p:presentation>
 </file>
 
@@ -528,7 +534,7 @@
           <a:p>
             <a:fld id="{925689F2-BBCC-4249-A1C0-857DB06C99E6}" type="slidenum">
               <a:rPr lang="en-US" smtClean="0"/>
-              <a:t>4</a:t>
+              <a:t>5</a:t>
             </a:fld>
             <a:endParaRPr lang="en-US"/>
           </a:p>
@@ -3540,7 +3546,6 @@
               <a:rPr lang="en-US" sz="1400" dirty="0" smtClean="0"/>
               <a:t>Save project</a:t>
             </a:r>
-            <a:endParaRPr lang="en-US" sz="1400" dirty="0" smtClean="0"/>
           </a:p>
           <a:p>
             <a:r>
@@ -3804,7 +3809,7 @@
         <p:spPr>
           <a:xfrm>
             <a:off x="8000404" y="970767"/>
-            <a:ext cx="3987157" cy="3139321"/>
+            <a:ext cx="3987157" cy="3416320"/>
           </a:xfrm>
           <a:prstGeom prst="rect">
             <a:avLst/>
@@ -3905,8 +3910,62 @@
                   </a:schemeClr>
                 </a:solidFill>
               </a:rPr>
-              <a:t>  (if edit, should leave comment</a:t>
-            </a:r>
+              <a:t>  (if edit, should leave </a:t>
+            </a:r>
+            <a:r>
+              <a:rPr lang="en-US" dirty="0" smtClean="0">
+                <a:solidFill>
+                  <a:schemeClr val="tx1">
+                    <a:lumMod val="95000"/>
+                    <a:lumOff val="5000"/>
+                  </a:schemeClr>
+                </a:solidFill>
+              </a:rPr>
+              <a:t>comment</a:t>
+            </a:r>
+          </a:p>
+          <a:p>
+            <a:r>
+              <a:rPr lang="en-US" dirty="0" smtClean="0">
+                <a:solidFill>
+                  <a:schemeClr val="tx1">
+                    <a:lumMod val="95000"/>
+                    <a:lumOff val="5000"/>
+                  </a:schemeClr>
+                </a:solidFill>
+              </a:rPr>
+              <a:t>- </a:t>
+            </a:r>
+            <a:r>
+              <a:rPr lang="en-US" dirty="0" err="1" smtClean="0">
+                <a:solidFill>
+                  <a:schemeClr val="tx1">
+                    <a:lumMod val="95000"/>
+                    <a:lumOff val="5000"/>
+                  </a:schemeClr>
+                </a:solidFill>
+              </a:rPr>
+              <a:t>catergory</a:t>
+            </a:r>
+            <a:r>
+              <a:rPr lang="en-US" smtClean="0">
+                <a:solidFill>
+                  <a:schemeClr val="tx1">
+                    <a:lumMod val="95000"/>
+                    <a:lumOff val="5000"/>
+                  </a:schemeClr>
+                </a:solidFill>
+              </a:rPr>
+              <a:t>: string</a:t>
+            </a:r>
+            <a:endParaRPr lang="en-US" dirty="0" smtClean="0">
+              <a:solidFill>
+                <a:schemeClr val="tx1">
+                  <a:lumMod val="95000"/>
+                  <a:lumOff val="5000"/>
+                </a:schemeClr>
+              </a:solidFill>
+            </a:endParaRPr>
           </a:p>
           <a:p>
             <a:endParaRPr lang="en-US" dirty="0">
@@ -4113,7 +4172,7 @@
         <p:spPr>
           <a:xfrm>
             <a:off x="96396" y="4805680"/>
-            <a:ext cx="3469709" cy="1477328"/>
+            <a:ext cx="3469709" cy="1754326"/>
           </a:xfrm>
           <a:prstGeom prst="rect">
             <a:avLst/>
@@ -4151,7 +4210,7 @@
           <a:p>
             <a:r>
               <a:rPr lang="en-US" dirty="0" smtClean="0"/>
-              <a:t>--</a:t>
+              <a:t>-</a:t>
             </a:r>
             <a:r>
               <a:rPr lang="en-US" dirty="0" err="1" smtClean="0">
@@ -4163,8 +4222,27 @@
             </a:r>
             <a:r>
               <a:rPr lang="en-US" dirty="0" smtClean="0"/>
-              <a:t>: integer  // project id</a:t>
-            </a:r>
+              <a:t>: integer  // project </a:t>
+            </a:r>
+            <a:r>
+              <a:rPr lang="en-US" dirty="0" smtClean="0"/>
+              <a:t>id</a:t>
+            </a:r>
+          </a:p>
+          <a:p>
+            <a:r>
+              <a:rPr lang="en-US" dirty="0" smtClean="0"/>
+              <a:t>-</a:t>
+            </a:r>
+            <a:r>
+              <a:rPr lang="en-US" dirty="0" err="1" smtClean="0"/>
+              <a:t>user_id</a:t>
+            </a:r>
+            <a:r>
+              <a:rPr lang="en-US" dirty="0" smtClean="0"/>
+              <a:t> : integer</a:t>
+            </a:r>
+            <a:endParaRPr lang="en-US" dirty="0" smtClean="0"/>
           </a:p>
           <a:p>
             <a:endParaRPr lang="en-US" dirty="0"/>
@@ -4310,13 +4388,132 @@
       </p:grpSpPr>
       <p:sp>
         <p:nvSpPr>
+          <p:cNvPr id="5" name="Rectangle 4"/>
+          <p:cNvSpPr/>
+          <p:nvPr/>
+        </p:nvSpPr>
+        <p:spPr>
+          <a:xfrm>
+            <a:off x="1656080" y="629920"/>
+            <a:ext cx="7305040" cy="4155440"/>
+          </a:xfrm>
+          <a:prstGeom prst="rect">
+            <a:avLst/>
+          </a:prstGeom>
+          <a:noFill/>
+        </p:spPr>
+        <p:style>
+          <a:lnRef idx="2">
+            <a:schemeClr val="accent1">
+              <a:shade val="50000"/>
+            </a:schemeClr>
+          </a:lnRef>
+          <a:fillRef idx="1">
+            <a:schemeClr val="accent1"/>
+          </a:fillRef>
+          <a:effectRef idx="0">
+            <a:schemeClr val="accent1"/>
+          </a:effectRef>
+          <a:fontRef idx="minor">
+            <a:schemeClr val="lt1"/>
+          </a:fontRef>
+        </p:style>
+        <p:txBody>
+          <a:bodyPr rtlCol="0" anchor="ctr"/>
+          <a:lstStyle/>
+          <a:p>
+            <a:pPr algn="ctr"/>
+            <a:r>
+              <a:rPr lang="en-US" dirty="0" smtClean="0">
+                <a:solidFill>
+                  <a:schemeClr val="tx1"/>
+                </a:solidFill>
+              </a:rPr>
+              <a:t>Front page:</a:t>
+            </a:r>
+          </a:p>
+          <a:p>
+            <a:pPr algn="ctr"/>
+            <a:r>
+              <a:rPr lang="en-US" dirty="0" smtClean="0">
+                <a:solidFill>
+                  <a:schemeClr val="tx1"/>
+                </a:solidFill>
+              </a:rPr>
+              <a:t>- Login option</a:t>
+            </a:r>
+          </a:p>
+          <a:p>
+            <a:pPr algn="ctr"/>
+            <a:r>
+              <a:rPr lang="en-US" dirty="0" smtClean="0">
+                <a:solidFill>
+                  <a:schemeClr val="tx1"/>
+                </a:solidFill>
+              </a:rPr>
+              <a:t>-Register option</a:t>
+            </a:r>
+          </a:p>
+          <a:p>
+            <a:pPr algn="ctr"/>
+            <a:endParaRPr lang="en-US" dirty="0">
+              <a:solidFill>
+                <a:schemeClr val="tx1"/>
+              </a:solidFill>
+            </a:endParaRPr>
+          </a:p>
+          <a:p>
+            <a:pPr algn="ctr"/>
+            <a:r>
+              <a:rPr lang="en-US" dirty="0" smtClean="0">
+                <a:solidFill>
+                  <a:schemeClr val="tx1"/>
+                </a:solidFill>
+              </a:rPr>
+              <a:t>A page/hide show panel? </a:t>
+            </a:r>
+          </a:p>
+        </p:txBody>
+      </p:sp>
+    </p:spTree>
+    <p:extLst>
+      <p:ext uri="{BB962C8B-B14F-4D97-AF65-F5344CB8AC3E}">
+        <p14:creationId xmlns:p14="http://schemas.microsoft.com/office/powerpoint/2010/main" val="114680729"/>
+      </p:ext>
+    </p:extLst>
+  </p:cSld>
+  <p:clrMapOvr>
+    <a:masterClrMapping/>
+  </p:clrMapOvr>
+</p:sld>
+</file>
+
+<file path=ppt/slides/slide4.xml><?xml version="1.0" encoding="utf-8"?>
+<p:sld xmlns:a="http://schemas.openxmlformats.org/drawingml/2006/main" xmlns:r="http://schemas.openxmlformats.org/officeDocument/2006/relationships" xmlns:p="http://schemas.openxmlformats.org/presentationml/2006/main">
+  <p:cSld>
+    <p:spTree>
+      <p:nvGrpSpPr>
+        <p:cNvPr id="1" name=""/>
+        <p:cNvGrpSpPr/>
+        <p:nvPr/>
+      </p:nvGrpSpPr>
+      <p:grpSpPr>
+        <a:xfrm>
+          <a:off x="0" y="0"/>
+          <a:ext cx="0" cy="0"/>
+          <a:chOff x="0" y="0"/>
+          <a:chExt cx="0" cy="0"/>
+        </a:xfrm>
+      </p:grpSpPr>
+      <p:sp>
+        <p:nvSpPr>
           <p:cNvPr id="5" name="TextBox 4"/>
           <p:cNvSpPr txBox="1"/>
           <p:nvPr/>
         </p:nvSpPr>
         <p:spPr>
           <a:xfrm>
-            <a:off x="254000" y="1076960"/>
+            <a:off x="248920" y="1102043"/>
             <a:ext cx="2600960" cy="4927600"/>
           </a:xfrm>
           <a:prstGeom prst="rect">
@@ -4414,7 +4611,7 @@
         <p:spPr>
           <a:xfrm>
             <a:off x="2956560" y="1971040"/>
-            <a:ext cx="6268720" cy="3576320"/>
+            <a:ext cx="5811520" cy="3576320"/>
           </a:xfrm>
           <a:prstGeom prst="rect">
             <a:avLst/>
@@ -4518,7 +4715,7 @@
         </p:nvSpPr>
         <p:spPr>
           <a:xfrm>
-            <a:off x="355600" y="1463040"/>
+            <a:off x="355600" y="3281680"/>
             <a:ext cx="2387600" cy="369332"/>
           </a:xfrm>
           <a:prstGeom prst="rect">
@@ -4734,6 +4931,50 @@
           </a:p>
         </p:txBody>
       </p:sp>
+      <p:sp>
+        <p:nvSpPr>
+          <p:cNvPr id="2" name="Rectangle 1"/>
+          <p:cNvSpPr/>
+          <p:nvPr/>
+        </p:nvSpPr>
+        <p:spPr>
+          <a:xfrm>
+            <a:off x="467360" y="1574800"/>
+            <a:ext cx="2225040" cy="802640"/>
+          </a:xfrm>
+          <a:prstGeom prst="rect">
+            <a:avLst/>
+          </a:prstGeom>
+        </p:spPr>
+        <p:style>
+          <a:lnRef idx="2">
+            <a:schemeClr val="accent1">
+              <a:shade val="50000"/>
+            </a:schemeClr>
+          </a:lnRef>
+          <a:fillRef idx="1">
+            <a:schemeClr val="accent1"/>
+          </a:fillRef>
+          <a:effectRef idx="0">
+            <a:schemeClr val="accent1"/>
+          </a:effectRef>
+          <a:fontRef idx="minor">
+            <a:schemeClr val="lt1"/>
+          </a:fontRef>
+        </p:style>
+        <p:txBody>
+          <a:bodyPr rtlCol="0" anchor="ctr"/>
+          <a:lstStyle/>
+          <a:p>
+            <a:pPr algn="ctr"/>
+            <a:r>
+              <a:rPr lang="en-US" dirty="0" smtClean="0"/>
+              <a:t>Show user name</a:t>
+            </a:r>
+            <a:endParaRPr lang="en-US" dirty="0"/>
+          </a:p>
+        </p:txBody>
+      </p:sp>
     </p:spTree>
     <p:extLst>
       <p:ext uri="{BB962C8B-B14F-4D97-AF65-F5344CB8AC3E}">
@@ -4754,7 +4995,7 @@
 </p:sld>
 </file>
 
-<file path=ppt/slides/slide4.xml><?xml version="1.0" encoding="utf-8"?>
+<file path=ppt/slides/slide5.xml><?xml version="1.0" encoding="utf-8"?>
 <p:sld xmlns:a="http://schemas.openxmlformats.org/drawingml/2006/main" xmlns:r="http://schemas.openxmlformats.org/officeDocument/2006/relationships" xmlns:p="http://schemas.openxmlformats.org/presentationml/2006/main">
   <p:cSld>
     <p:spTree>

--- a/Geospatial Online Project.pptx
+++ b/Geospatial Online Project.pptx
@@ -3809,7 +3809,7 @@
         <p:spPr>
           <a:xfrm>
             <a:off x="8000404" y="970767"/>
-            <a:ext cx="3987157" cy="3416320"/>
+            <a:ext cx="3987157" cy="2862322"/>
           </a:xfrm>
           <a:prstGeom prst="rect">
             <a:avLst/>
@@ -3838,34 +3838,17 @@
           </a:p>
           <a:p>
             <a:r>
-              <a:rPr lang="en-US" dirty="0" smtClean="0"/>
+              <a:rPr lang="en-US" smtClean="0"/>
               <a:t>- </a:t>
             </a:r>
             <a:r>
-              <a:rPr lang="en-US" dirty="0" err="1" smtClean="0"/>
-              <a:t>project_name</a:t>
+              <a:rPr lang="en-US" smtClean="0"/>
+              <a:t>name</a:t>
             </a:r>
             <a:r>
               <a:rPr lang="en-US" dirty="0" smtClean="0"/>
               <a:t>: string</a:t>
             </a:r>
-          </a:p>
-          <a:p>
-            <a:r>
-              <a:rPr lang="en-US" dirty="0" smtClean="0"/>
-              <a:t>- name: string</a:t>
-            </a:r>
-          </a:p>
-          <a:p>
-            <a:r>
-              <a:rPr lang="en-US" dirty="0" smtClean="0"/>
-              <a:t>- map:  </a:t>
-            </a:r>
-            <a:r>
-              <a:rPr lang="en-US" dirty="0" err="1" smtClean="0"/>
-              <a:t>img</a:t>
-            </a:r>
-            <a:endParaRPr lang="en-US" dirty="0" smtClean="0"/>
           </a:p>
           <a:p>
             <a:r>
@@ -3877,7 +3860,18 @@
                   </a:schemeClr>
                 </a:solidFill>
               </a:rPr>
-              <a:t>- description: string</a:t>
+              <a:t>- </a:t>
+            </a:r>
+            <a:r>
+              <a:rPr lang="en-US" dirty="0" smtClean="0">
+                <a:solidFill>
+                  <a:schemeClr val="tx1">
+                    <a:lumMod val="95000"/>
+                    <a:lumOff val="5000"/>
+                  </a:schemeClr>
+                </a:solidFill>
+              </a:rPr>
+              <a:t>description: string</a:t>
             </a:r>
             <a:endParaRPr lang="en-US" dirty="0" smtClean="0"/>
           </a:p>
@@ -3948,7 +3942,7 @@
               <a:t>catergory</a:t>
             </a:r>
             <a:r>
-              <a:rPr lang="en-US" smtClean="0">
+              <a:rPr lang="en-US" dirty="0" smtClean="0">
                 <a:solidFill>
                   <a:schemeClr val="tx1">
                     <a:lumMod val="95000"/>
@@ -3968,6 +3962,50 @@
             </a:endParaRPr>
           </a:p>
           <a:p>
+            <a:r>
+              <a:rPr lang="en-US" dirty="0" smtClean="0">
+                <a:solidFill>
+                  <a:schemeClr val="tx1">
+                    <a:lumMod val="95000"/>
+                    <a:lumOff val="5000"/>
+                  </a:schemeClr>
+                </a:solidFill>
+              </a:rPr>
+              <a:t>-</a:t>
+            </a:r>
+            <a:r>
+              <a:rPr lang="en-US" dirty="0" err="1" smtClean="0">
+                <a:solidFill>
+                  <a:schemeClr val="tx1">
+                    <a:lumMod val="95000"/>
+                    <a:lumOff val="5000"/>
+                  </a:schemeClr>
+                </a:solidFill>
+              </a:rPr>
+              <a:t>is_shared</a:t>
+            </a:r>
+            <a:r>
+              <a:rPr lang="en-US" dirty="0" smtClean="0">
+                <a:solidFill>
+                  <a:schemeClr val="tx1">
+                    <a:lumMod val="95000"/>
+                    <a:lumOff val="5000"/>
+                  </a:schemeClr>
+                </a:solidFill>
+              </a:rPr>
+              <a:t>: false // </a:t>
+            </a:r>
+            <a:r>
+              <a:rPr lang="en-US" dirty="0" err="1" smtClean="0">
+                <a:solidFill>
+                  <a:schemeClr val="tx1">
+                    <a:lumMod val="95000"/>
+                    <a:lumOff val="5000"/>
+                  </a:schemeClr>
+                </a:solidFill>
+              </a:rPr>
+              <a:t>boolean</a:t>
+            </a:r>
             <a:endParaRPr lang="en-US" dirty="0">
               <a:solidFill>
                 <a:schemeClr val="tx1">
@@ -4053,8 +4091,8 @@
         </p:nvSpPr>
         <p:spPr>
           <a:xfrm>
-            <a:off x="3981759" y="4252526"/>
-            <a:ext cx="4790038" cy="2308324"/>
+            <a:off x="4063039" y="4248279"/>
+            <a:ext cx="4790038" cy="1754326"/>
           </a:xfrm>
           <a:prstGeom prst="rect">
             <a:avLst/>
@@ -4081,19 +4119,10 @@
               <a:t> </a:t>
             </a:r>
             <a:r>
-              <a:rPr lang="en-US" b="1" dirty="0" err="1" smtClean="0"/>
-              <a:t>webservices</a:t>
-            </a:r>
-            <a:r>
               <a:rPr lang="en-US" b="1" dirty="0" smtClean="0"/>
-              <a:t> schema</a:t>
-            </a:r>
-          </a:p>
-          <a:p>
-            <a:r>
-              <a:rPr lang="en-US" dirty="0" smtClean="0"/>
-              <a:t>-title: string</a:t>
-            </a:r>
+              <a:t>Feature schema</a:t>
+            </a:r>
+            <a:endParaRPr lang="en-US" b="1" dirty="0" smtClean="0"/>
           </a:p>
           <a:p>
             <a:r>
@@ -4101,6 +4130,24 @@
               <a:t>-</a:t>
             </a:r>
             <a:r>
+              <a:rPr lang="en-US" dirty="0" smtClean="0"/>
+              <a:t>name</a:t>
+            </a:r>
+            <a:r>
+              <a:rPr lang="en-US" dirty="0" smtClean="0"/>
+              <a:t>: </a:t>
+            </a:r>
+            <a:r>
+              <a:rPr lang="en-US" dirty="0" smtClean="0"/>
+              <a:t>string</a:t>
+            </a:r>
+          </a:p>
+          <a:p>
+            <a:r>
+              <a:rPr lang="en-US" dirty="0" smtClean="0"/>
+              <a:t>-</a:t>
+            </a:r>
+            <a:r>
               <a:rPr lang="en-US" dirty="0" err="1" smtClean="0"/>
               <a:t>url</a:t>
             </a:r>
@@ -4117,27 +4164,11 @@
           <a:p>
             <a:r>
               <a:rPr lang="en-US" dirty="0" smtClean="0"/>
-              <a:t>-description: string</a:t>
-            </a:r>
-          </a:p>
-          <a:p>
+              <a:t>-</a:t>
+            </a:r>
             <a:r>
               <a:rPr lang="en-US" dirty="0" smtClean="0"/>
-              <a:t>-type: string.  // data-type</a:t>
-            </a:r>
-          </a:p>
-          <a:p>
-            <a:r>
-              <a:rPr lang="en-US" dirty="0" smtClean="0"/>
-              <a:t>-source: string // original public by "</a:t>
-            </a:r>
-            <a:r>
-              <a:rPr lang="mr-IN" dirty="0" smtClean="0"/>
-              <a:t>…</a:t>
-            </a:r>
-            <a:r>
-              <a:rPr lang="en-US" dirty="0" smtClean="0"/>
-              <a:t>"</a:t>
+              <a:t>name: string</a:t>
             </a:r>
           </a:p>
           <a:p>
@@ -4151,7 +4182,15 @@
                   <a:srgbClr val="FF0000"/>
                 </a:solidFill>
               </a:rPr>
-              <a:t>project id: integer // many</a:t>
+              <a:t>project </a:t>
+            </a:r>
+            <a:r>
+              <a:rPr lang="en-US" b="1" dirty="0" smtClean="0">
+                <a:solidFill>
+                  <a:srgbClr val="FF0000"/>
+                </a:solidFill>
+              </a:rPr>
+              <a:t>id: integer // many</a:t>
             </a:r>
           </a:p>
           <a:p>
@@ -4715,8 +4754,8 @@
         </p:nvSpPr>
         <p:spPr>
           <a:xfrm>
-            <a:off x="355600" y="3281680"/>
-            <a:ext cx="2387600" cy="369332"/>
+            <a:off x="467360" y="2641600"/>
+            <a:ext cx="2275840" cy="369332"/>
           </a:xfrm>
           <a:prstGeom prst="rect">
             <a:avLst/>

--- a/Geospatial Online Project.pptx
+++ b/Geospatial Online Project.pptx
@@ -3700,8 +3700,8 @@
         </p:nvSpPr>
         <p:spPr>
           <a:xfrm>
-            <a:off x="2217106" y="323867"/>
-            <a:ext cx="6050071" cy="663880"/>
+            <a:off x="2217106" y="-110716"/>
+            <a:ext cx="6050071" cy="530963"/>
           </a:xfrm>
           <a:noFill/>
         </p:spPr>
@@ -3735,8 +3735,8 @@
         </p:nvSpPr>
         <p:spPr>
           <a:xfrm>
-            <a:off x="0" y="1141607"/>
-            <a:ext cx="3469709" cy="1754326"/>
+            <a:off x="1" y="420247"/>
+            <a:ext cx="2661920" cy="1446550"/>
           </a:xfrm>
           <a:prstGeom prst="rect">
             <a:avLst/>
@@ -3755,35 +3755,35 @@
           <a:lstStyle/>
           <a:p>
             <a:r>
-              <a:rPr lang="en-US" b="1" dirty="0" smtClean="0"/>
+              <a:rPr lang="en-US" sz="1400" b="1" dirty="0" smtClean="0"/>
               <a:t>user schema</a:t>
             </a:r>
           </a:p>
           <a:p>
             <a:r>
-              <a:rPr lang="en-US" dirty="0" smtClean="0"/>
+              <a:rPr lang="en-US" sz="1400" dirty="0" smtClean="0"/>
               <a:t>-username: string</a:t>
             </a:r>
           </a:p>
           <a:p>
             <a:r>
-              <a:rPr lang="en-US" dirty="0" smtClean="0"/>
+              <a:rPr lang="en-US" sz="1400" dirty="0" smtClean="0"/>
               <a:t>-name: string</a:t>
             </a:r>
           </a:p>
           <a:p>
             <a:r>
-              <a:rPr lang="en-US" dirty="0" smtClean="0"/>
+              <a:rPr lang="en-US" sz="1400" dirty="0" smtClean="0"/>
               <a:t>-password. string</a:t>
             </a:r>
           </a:p>
           <a:p>
             <a:r>
-              <a:rPr lang="en-US" dirty="0" smtClean="0"/>
+              <a:rPr lang="en-US" sz="1400" dirty="0" smtClean="0"/>
               <a:t>-</a:t>
             </a:r>
             <a:r>
-              <a:rPr lang="en-US" dirty="0" smtClean="0">
+              <a:rPr lang="en-US" sz="1400" dirty="0" smtClean="0">
                 <a:solidFill>
                   <a:srgbClr val="FF0000"/>
                 </a:solidFill>
@@ -3791,7 +3791,7 @@
               <a:t>projects</a:t>
             </a:r>
             <a:r>
-              <a:rPr lang="en-US" dirty="0" smtClean="0"/>
+              <a:rPr lang="en-US" sz="1400" dirty="0" smtClean="0"/>
               <a:t>: []. // set of project id</a:t>
             </a:r>
           </a:p>
@@ -3808,8 +3808,8 @@
         </p:nvSpPr>
         <p:spPr>
           <a:xfrm>
-            <a:off x="8000404" y="970767"/>
-            <a:ext cx="3987157" cy="2862322"/>
+            <a:off x="7863840" y="1076959"/>
+            <a:ext cx="4123721" cy="2369880"/>
           </a:xfrm>
           <a:prstGeom prst="rect">
             <a:avLst/>
@@ -3828,31 +3828,31 @@
           <a:lstStyle/>
           <a:p>
             <a:r>
-              <a:rPr lang="en-US" b="1" dirty="0"/>
+              <a:rPr lang="en-US" sz="1400" b="1" dirty="0"/>
               <a:t>p</a:t>
             </a:r>
             <a:r>
-              <a:rPr lang="en-US" b="1" dirty="0" smtClean="0"/>
+              <a:rPr lang="en-US" sz="1400" b="1" dirty="0" smtClean="0"/>
               <a:t>rojects schema</a:t>
             </a:r>
           </a:p>
           <a:p>
             <a:r>
-              <a:rPr lang="en-US" smtClean="0"/>
+              <a:rPr lang="en-US" sz="1400" dirty="0" smtClean="0"/>
               <a:t>- </a:t>
             </a:r>
             <a:r>
-              <a:rPr lang="en-US" smtClean="0"/>
+              <a:rPr lang="en-US" sz="1400" dirty="0" smtClean="0"/>
               <a:t>name</a:t>
             </a:r>
             <a:r>
-              <a:rPr lang="en-US" dirty="0" smtClean="0"/>
+              <a:rPr lang="en-US" sz="1400" dirty="0" smtClean="0"/>
               <a:t>: string</a:t>
             </a:r>
           </a:p>
           <a:p>
             <a:r>
-              <a:rPr lang="en-US" dirty="0" smtClean="0">
+              <a:rPr lang="en-US" sz="1400" dirty="0" smtClean="0">
                 <a:solidFill>
                   <a:schemeClr val="tx1">
                     <a:lumMod val="95000"/>
@@ -3863,7 +3863,7 @@
               <a:t>- </a:t>
             </a:r>
             <a:r>
-              <a:rPr lang="en-US" dirty="0" smtClean="0">
+              <a:rPr lang="en-US" sz="1400" dirty="0" smtClean="0">
                 <a:solidFill>
                   <a:schemeClr val="tx1">
                     <a:lumMod val="95000"/>
@@ -3873,11 +3873,11 @@
               </a:rPr>
               <a:t>description: string</a:t>
             </a:r>
-            <a:endParaRPr lang="en-US" dirty="0" smtClean="0"/>
-          </a:p>
-          <a:p>
-            <a:r>
-              <a:rPr lang="en-US" dirty="0" smtClean="0">
+            <a:endParaRPr lang="en-US" sz="1400" dirty="0" smtClean="0"/>
+          </a:p>
+          <a:p>
+            <a:r>
+              <a:rPr lang="en-US" sz="1400" dirty="0" smtClean="0">
                 <a:solidFill>
                   <a:srgbClr val="FF0000"/>
                 </a:solidFill>
@@ -3885,7 +3885,7 @@
               <a:t>- </a:t>
             </a:r>
             <a:r>
-              <a:rPr lang="en-US" dirty="0" err="1" smtClean="0">
+              <a:rPr lang="en-US" sz="1400" dirty="0" err="1" smtClean="0">
                 <a:solidFill>
                   <a:schemeClr val="tx1">
                     <a:lumMod val="95000"/>
@@ -3896,7 +3896,7 @@
               <a:t>comment:string</a:t>
             </a:r>
             <a:r>
-              <a:rPr lang="en-US" dirty="0" smtClean="0">
+              <a:rPr lang="en-US" sz="1400" dirty="0" smtClean="0">
                 <a:solidFill>
                   <a:schemeClr val="tx1">
                     <a:lumMod val="95000"/>
@@ -3907,7 +3907,7 @@
               <a:t>  (if edit, should leave </a:t>
             </a:r>
             <a:r>
-              <a:rPr lang="en-US" dirty="0" smtClean="0">
+              <a:rPr lang="en-US" sz="1400" dirty="0" smtClean="0">
                 <a:solidFill>
                   <a:schemeClr val="tx1">
                     <a:lumMod val="95000"/>
@@ -3920,7 +3920,7 @@
           </a:p>
           <a:p>
             <a:r>
-              <a:rPr lang="en-US" dirty="0" smtClean="0">
+              <a:rPr lang="en-US" sz="1400" dirty="0" smtClean="0">
                 <a:solidFill>
                   <a:schemeClr val="tx1">
                     <a:lumMod val="95000"/>
@@ -3931,7 +3931,7 @@
               <a:t>- </a:t>
             </a:r>
             <a:r>
-              <a:rPr lang="en-US" dirty="0" err="1" smtClean="0">
+              <a:rPr lang="en-US" sz="1400" dirty="0" err="1" smtClean="0">
                 <a:solidFill>
                   <a:schemeClr val="tx1">
                     <a:lumMod val="95000"/>
@@ -3942,7 +3942,7 @@
               <a:t>catergory</a:t>
             </a:r>
             <a:r>
-              <a:rPr lang="en-US" dirty="0" smtClean="0">
+              <a:rPr lang="en-US" sz="1400" dirty="0" smtClean="0">
                 <a:solidFill>
                   <a:schemeClr val="tx1">
                     <a:lumMod val="95000"/>
@@ -3952,6 +3952,128 @@
               </a:rPr>
               <a:t>: string</a:t>
             </a:r>
+            <a:endParaRPr lang="en-US" sz="1400" dirty="0" smtClean="0">
+              <a:solidFill>
+                <a:schemeClr val="tx1">
+                  <a:lumMod val="95000"/>
+                  <a:lumOff val="5000"/>
+                </a:schemeClr>
+              </a:solidFill>
+            </a:endParaRPr>
+          </a:p>
+          <a:p>
+            <a:r>
+              <a:rPr lang="en-US" sz="1400" dirty="0" smtClean="0">
+                <a:solidFill>
+                  <a:schemeClr val="tx1">
+                    <a:lumMod val="95000"/>
+                    <a:lumOff val="5000"/>
+                  </a:schemeClr>
+                </a:solidFill>
+              </a:rPr>
+              <a:t>-</a:t>
+            </a:r>
+            <a:r>
+              <a:rPr lang="en-US" sz="1400" dirty="0" err="1" smtClean="0">
+                <a:solidFill>
+                  <a:schemeClr val="tx1">
+                    <a:lumMod val="95000"/>
+                    <a:lumOff val="5000"/>
+                  </a:schemeClr>
+                </a:solidFill>
+              </a:rPr>
+              <a:t>is_shared</a:t>
+            </a:r>
+            <a:r>
+              <a:rPr lang="en-US" sz="1400" dirty="0" smtClean="0">
+                <a:solidFill>
+                  <a:schemeClr val="tx1">
+                    <a:lumMod val="95000"/>
+                    <a:lumOff val="5000"/>
+                  </a:schemeClr>
+                </a:solidFill>
+              </a:rPr>
+              <a:t>: false // </a:t>
+            </a:r>
+            <a:r>
+              <a:rPr lang="en-US" sz="1400" dirty="0" err="1" smtClean="0">
+                <a:solidFill>
+                  <a:schemeClr val="tx1">
+                    <a:lumMod val="95000"/>
+                    <a:lumOff val="5000"/>
+                  </a:schemeClr>
+                </a:solidFill>
+              </a:rPr>
+              <a:t>boolean</a:t>
+            </a:r>
+            <a:endParaRPr lang="en-US" sz="1400" dirty="0">
+              <a:solidFill>
+                <a:schemeClr val="tx1">
+                  <a:lumMod val="95000"/>
+                  <a:lumOff val="5000"/>
+                </a:schemeClr>
+              </a:solidFill>
+            </a:endParaRPr>
+          </a:p>
+          <a:p>
+            <a:r>
+              <a:rPr lang="en-US" sz="1400" dirty="0" smtClean="0"/>
+              <a:t>-</a:t>
+            </a:r>
+            <a:r>
+              <a:rPr lang="en-US" sz="1400" dirty="0" err="1" smtClean="0">
+                <a:solidFill>
+                  <a:srgbClr val="FF0000"/>
+                </a:solidFill>
+              </a:rPr>
+              <a:t>feature_</a:t>
+            </a:r>
+            <a:r>
+              <a:rPr lang="en-US" sz="1400" dirty="0" err="1" smtClean="0">
+                <a:solidFill>
+                  <a:srgbClr val="FF0000"/>
+                </a:solidFill>
+              </a:rPr>
+              <a:t>id</a:t>
+            </a:r>
+            <a:r>
+              <a:rPr lang="en-US" sz="1400" dirty="0" smtClean="0">
+                <a:solidFill>
+                  <a:srgbClr val="FF0000"/>
+                </a:solidFill>
+              </a:rPr>
+              <a:t>: integer // many </a:t>
+            </a:r>
+            <a:endParaRPr lang="en-US" sz="1400" dirty="0" smtClean="0">
+              <a:solidFill>
+                <a:srgbClr val="FF0000"/>
+              </a:solidFill>
+            </a:endParaRPr>
+          </a:p>
+          <a:p>
+            <a:r>
+              <a:rPr lang="en-US" sz="1400" dirty="0" smtClean="0">
+                <a:solidFill>
+                  <a:srgbClr val="FF0000"/>
+                </a:solidFill>
+              </a:rPr>
+              <a:t>-</a:t>
+            </a:r>
+            <a:r>
+              <a:rPr lang="en-US" sz="1400" dirty="0" err="1" smtClean="0">
+                <a:solidFill>
+                  <a:srgbClr val="FF0000"/>
+                </a:solidFill>
+              </a:rPr>
+              <a:t>user_id</a:t>
+            </a:r>
+            <a:endParaRPr lang="en-US" sz="1400" dirty="0" smtClean="0">
+              <a:solidFill>
+                <a:srgbClr val="FF0000"/>
+              </a:solidFill>
+            </a:endParaRPr>
+          </a:p>
+          <a:p>
             <a:endParaRPr lang="en-US" dirty="0" smtClean="0">
               <a:solidFill>
                 <a:schemeClr val="tx1">
@@ -3962,50 +4084,6 @@
             </a:endParaRPr>
           </a:p>
           <a:p>
-            <a:r>
-              <a:rPr lang="en-US" dirty="0" smtClean="0">
-                <a:solidFill>
-                  <a:schemeClr val="tx1">
-                    <a:lumMod val="95000"/>
-                    <a:lumOff val="5000"/>
-                  </a:schemeClr>
-                </a:solidFill>
-              </a:rPr>
-              <a:t>-</a:t>
-            </a:r>
-            <a:r>
-              <a:rPr lang="en-US" dirty="0" err="1" smtClean="0">
-                <a:solidFill>
-                  <a:schemeClr val="tx1">
-                    <a:lumMod val="95000"/>
-                    <a:lumOff val="5000"/>
-                  </a:schemeClr>
-                </a:solidFill>
-              </a:rPr>
-              <a:t>is_shared</a:t>
-            </a:r>
-            <a:r>
-              <a:rPr lang="en-US" dirty="0" smtClean="0">
-                <a:solidFill>
-                  <a:schemeClr val="tx1">
-                    <a:lumMod val="95000"/>
-                    <a:lumOff val="5000"/>
-                  </a:schemeClr>
-                </a:solidFill>
-              </a:rPr>
-              <a:t>: false // </a:t>
-            </a:r>
-            <a:r>
-              <a:rPr lang="en-US" dirty="0" err="1" smtClean="0">
-                <a:solidFill>
-                  <a:schemeClr val="tx1">
-                    <a:lumMod val="95000"/>
-                    <a:lumOff val="5000"/>
-                  </a:schemeClr>
-                </a:solidFill>
-              </a:rPr>
-              <a:t>boolean</a:t>
-            </a:r>
             <a:endParaRPr lang="en-US" dirty="0">
               <a:solidFill>
                 <a:schemeClr val="tx1">
@@ -4015,72 +4093,6 @@
               </a:solidFill>
             </a:endParaRPr>
           </a:p>
-          <a:p>
-            <a:r>
-              <a:rPr lang="en-US" dirty="0" smtClean="0"/>
-              <a:t>-</a:t>
-            </a:r>
-            <a:r>
-              <a:rPr lang="en-US" dirty="0" err="1" smtClean="0">
-                <a:solidFill>
-                  <a:srgbClr val="FF0000"/>
-                </a:solidFill>
-              </a:rPr>
-              <a:t>ersi</a:t>
-            </a:r>
-            <a:r>
-              <a:rPr lang="en-US" dirty="0" smtClean="0">
-                <a:solidFill>
-                  <a:srgbClr val="FF0000"/>
-                </a:solidFill>
-              </a:rPr>
-              <a:t> </a:t>
-            </a:r>
-            <a:r>
-              <a:rPr lang="en-US" dirty="0" err="1" smtClean="0">
-                <a:solidFill>
-                  <a:srgbClr val="FF0000"/>
-                </a:solidFill>
-              </a:rPr>
-              <a:t>webservice</a:t>
-            </a:r>
-            <a:r>
-              <a:rPr lang="en-US" dirty="0">
-                <a:solidFill>
-                  <a:srgbClr val="FF0000"/>
-                </a:solidFill>
-              </a:rPr>
-              <a:t> </a:t>
-            </a:r>
-            <a:r>
-              <a:rPr lang="en-US" dirty="0" smtClean="0">
-                <a:solidFill>
-                  <a:srgbClr val="FF0000"/>
-                </a:solidFill>
-              </a:rPr>
-              <a:t>id: integer // many </a:t>
-            </a:r>
-          </a:p>
-          <a:p>
-            <a:endParaRPr lang="en-US" dirty="0" smtClean="0">
-              <a:solidFill>
-                <a:schemeClr val="tx1">
-                  <a:lumMod val="95000"/>
-                  <a:lumOff val="5000"/>
-                </a:schemeClr>
-              </a:solidFill>
-            </a:endParaRPr>
-          </a:p>
-          <a:p>
-            <a:endParaRPr lang="en-US" dirty="0">
-              <a:solidFill>
-                <a:schemeClr val="tx1">
-                  <a:lumMod val="95000"/>
-                  <a:lumOff val="5000"/>
-                </a:schemeClr>
-              </a:solidFill>
-            </a:endParaRPr>
-          </a:p>
         </p:txBody>
       </p:sp>
       <p:sp>
@@ -4091,8 +4103,8 @@
         </p:nvSpPr>
         <p:spPr>
           <a:xfrm>
-            <a:off x="4063039" y="4248279"/>
-            <a:ext cx="4790038" cy="1754326"/>
+            <a:off x="4012239" y="4786759"/>
+            <a:ext cx="4085281" cy="1754326"/>
           </a:xfrm>
           <a:prstGeom prst="rect">
             <a:avLst/>
@@ -4111,14 +4123,6 @@
           <a:lstStyle/>
           <a:p>
             <a:r>
-              <a:rPr lang="en-US" b="1" dirty="0" err="1" smtClean="0"/>
-              <a:t>Esri</a:t>
-            </a:r>
-            <a:r>
-              <a:rPr lang="en-US" b="1" dirty="0" smtClean="0"/>
-              <a:t> </a:t>
-            </a:r>
-            <a:r>
               <a:rPr lang="en-US" b="1" dirty="0" smtClean="0"/>
               <a:t>Feature schema</a:t>
             </a:r>
@@ -4175,6 +4179,14 @@
             <a:r>
               <a:rPr lang="en-US" dirty="0" smtClean="0"/>
               <a:t>-</a:t>
+            </a:r>
+            <a:r>
+              <a:rPr lang="en-US" b="1" dirty="0" err="1" smtClean="0">
+                <a:solidFill>
+                  <a:srgbClr val="FF0000"/>
+                </a:solidFill>
+              </a:rPr>
+              <a:t>project_id</a:t>
             </a:r>
             <a:r>
               <a:rPr lang="en-US" b="1" dirty="0" smtClean="0">
@@ -4182,15 +4194,7 @@
                   <a:srgbClr val="FF0000"/>
                 </a:solidFill>
               </a:rPr>
-              <a:t>project </a:t>
-            </a:r>
-            <a:r>
-              <a:rPr lang="en-US" b="1" dirty="0" smtClean="0">
-                <a:solidFill>
-                  <a:srgbClr val="FF0000"/>
-                </a:solidFill>
-              </a:rPr>
-              <a:t>id: integer // many</a:t>
+              <a:t>: integer // many</a:t>
             </a:r>
           </a:p>
           <a:p>
@@ -4210,8 +4214,8 @@
         </p:nvSpPr>
         <p:spPr>
           <a:xfrm>
-            <a:off x="96396" y="4805680"/>
-            <a:ext cx="3469709" cy="1754326"/>
+            <a:off x="96397" y="4714240"/>
+            <a:ext cx="2758564" cy="1477328"/>
           </a:xfrm>
           <a:prstGeom prst="rect">
             <a:avLst/>
@@ -4230,164 +4234,47 @@
           <a:lstStyle/>
           <a:p>
             <a:r>
-              <a:rPr lang="en-US" b="1" dirty="0" smtClean="0"/>
+              <a:rPr lang="en-US" b="1" dirty="0" smtClean="0">
+                <a:solidFill>
+                  <a:srgbClr val="0070C0"/>
+                </a:solidFill>
+              </a:rPr>
               <a:t>Public schema</a:t>
             </a:r>
           </a:p>
           <a:p>
             <a:r>
-              <a:rPr lang="en-US" dirty="0" smtClean="0"/>
-              <a:t>-username: string</a:t>
-            </a:r>
-          </a:p>
-          <a:p>
-            <a:r>
-              <a:rPr lang="en-US" dirty="0" smtClean="0"/>
-              <a:t>-name: string</a:t>
-            </a:r>
-          </a:p>
-          <a:p>
-            <a:r>
-              <a:rPr lang="en-US" dirty="0" smtClean="0"/>
-              <a:t>-</a:t>
+              <a:rPr lang="en-US" dirty="0" smtClean="0">
+                <a:solidFill>
+                  <a:srgbClr val="0070C0"/>
+                </a:solidFill>
+              </a:rPr>
+              <a:t>-remove this schema since Project schema can be shared with "</a:t>
             </a:r>
             <a:r>
               <a:rPr lang="en-US" dirty="0" err="1" smtClean="0">
                 <a:solidFill>
-                  <a:srgbClr val="FF0000"/>
+                  <a:srgbClr val="0070C0"/>
                 </a:solidFill>
               </a:rPr>
-              <a:t>projects_id</a:t>
-            </a:r>
-            <a:r>
-              <a:rPr lang="en-US" dirty="0" smtClean="0"/>
-              <a:t>: integer  // project </a:t>
-            </a:r>
-            <a:r>
-              <a:rPr lang="en-US" dirty="0" smtClean="0"/>
-              <a:t>id</a:t>
-            </a:r>
-          </a:p>
-          <a:p>
-            <a:r>
-              <a:rPr lang="en-US" dirty="0" smtClean="0"/>
-              <a:t>-</a:t>
-            </a:r>
-            <a:r>
-              <a:rPr lang="en-US" dirty="0" err="1" smtClean="0"/>
-              <a:t>user_id</a:t>
-            </a:r>
-            <a:r>
-              <a:rPr lang="en-US" dirty="0" smtClean="0"/>
-              <a:t> : integer</a:t>
-            </a:r>
-            <a:endParaRPr lang="en-US" dirty="0" smtClean="0"/>
-          </a:p>
-          <a:p>
-            <a:endParaRPr lang="en-US" dirty="0"/>
-          </a:p>
-        </p:txBody>
-      </p:sp>
-      <p:cxnSp>
-        <p:nvCxnSpPr>
-          <p:cNvPr id="10" name="Straight Arrow Connector 9"/>
-          <p:cNvCxnSpPr/>
-          <p:nvPr/>
-        </p:nvCxnSpPr>
-        <p:spPr>
-          <a:xfrm flipV="1">
-            <a:off x="6725920" y="3505200"/>
-            <a:ext cx="2045877" cy="2621280"/>
-          </a:xfrm>
-          <a:prstGeom prst="straightConnector1">
-            <a:avLst/>
-          </a:prstGeom>
-          <a:ln>
-            <a:headEnd type="triangle"/>
-            <a:tailEnd type="triangle"/>
-          </a:ln>
-        </p:spPr>
-        <p:style>
-          <a:lnRef idx="1">
-            <a:schemeClr val="accent1"/>
-          </a:lnRef>
-          <a:fillRef idx="0">
-            <a:schemeClr val="accent1"/>
-          </a:fillRef>
-          <a:effectRef idx="0">
-            <a:schemeClr val="accent1"/>
-          </a:effectRef>
-          <a:fontRef idx="minor">
-            <a:schemeClr val="tx1"/>
-          </a:fontRef>
-        </p:style>
-      </p:cxnSp>
-      <p:cxnSp>
-        <p:nvCxnSpPr>
-          <p:cNvPr id="12" name="Straight Arrow Connector 11"/>
-          <p:cNvCxnSpPr/>
-          <p:nvPr/>
-        </p:nvCxnSpPr>
-        <p:spPr>
-          <a:xfrm flipH="1" flipV="1">
-            <a:off x="3017520" y="2448560"/>
-            <a:ext cx="4866640" cy="833120"/>
-          </a:xfrm>
-          <a:prstGeom prst="straightConnector1">
-            <a:avLst/>
-          </a:prstGeom>
-          <a:ln>
-            <a:tailEnd type="triangle"/>
-          </a:ln>
-        </p:spPr>
-        <p:style>
-          <a:lnRef idx="1">
-            <a:schemeClr val="accent1"/>
-          </a:lnRef>
-          <a:fillRef idx="0">
-            <a:schemeClr val="accent1"/>
-          </a:fillRef>
-          <a:effectRef idx="0">
-            <a:schemeClr val="accent1"/>
-          </a:effectRef>
-          <a:fontRef idx="minor">
-            <a:schemeClr val="tx1"/>
-          </a:fontRef>
-        </p:style>
-      </p:cxnSp>
-      <p:cxnSp>
-        <p:nvCxnSpPr>
-          <p:cNvPr id="14" name="Straight Arrow Connector 13"/>
-          <p:cNvCxnSpPr/>
-          <p:nvPr/>
-        </p:nvCxnSpPr>
-        <p:spPr>
-          <a:xfrm flipH="1">
-            <a:off x="1432560" y="3505200"/>
-            <a:ext cx="6451600" cy="2194560"/>
-          </a:xfrm>
-          <a:prstGeom prst="straightConnector1">
-            <a:avLst/>
-          </a:prstGeom>
-          <a:ln>
-            <a:tailEnd type="triangle"/>
-          </a:ln>
-        </p:spPr>
-        <p:style>
-          <a:lnRef idx="1">
-            <a:schemeClr val="accent1"/>
-          </a:lnRef>
-          <a:fillRef idx="0">
-            <a:schemeClr val="accent1"/>
-          </a:fillRef>
-          <a:effectRef idx="0">
-            <a:schemeClr val="accent1"/>
-          </a:effectRef>
-          <a:fontRef idx="minor">
-            <a:schemeClr val="tx1"/>
-          </a:fontRef>
-        </p:style>
-      </p:cxnSp>
+              <a:t>is_shared</a:t>
+            </a:r>
+            <a:r>
+              <a:rPr lang="en-US" dirty="0" smtClean="0">
+                <a:solidFill>
+                  <a:srgbClr val="0070C0"/>
+                </a:solidFill>
+              </a:rPr>
+              <a:t>" if set to TRUE</a:t>
+            </a:r>
+            <a:endParaRPr lang="en-US" dirty="0">
+              <a:solidFill>
+                <a:srgbClr val="0070C0"/>
+              </a:solidFill>
+            </a:endParaRPr>
+          </a:p>
+        </p:txBody>
+      </p:sp>
     </p:spTree>
     <p:extLst>
       <p:ext uri="{BB962C8B-B14F-4D97-AF65-F5344CB8AC3E}">

--- a/Geospatial Online Project.pptx
+++ b/Geospatial Online Project.pptx
@@ -4275,6 +4275,196 @@
           </a:p>
         </p:txBody>
       </p:sp>
+      <p:sp>
+        <p:nvSpPr>
+          <p:cNvPr id="19" name="TextBox 18"/>
+          <p:cNvSpPr txBox="1"/>
+          <p:nvPr/>
+        </p:nvSpPr>
+        <p:spPr>
+          <a:xfrm>
+            <a:off x="2955236" y="2570922"/>
+            <a:ext cx="3458816" cy="1200329"/>
+          </a:xfrm>
+          <a:prstGeom prst="rect">
+            <a:avLst/>
+          </a:prstGeom>
+          <a:noFill/>
+          <a:ln>
+            <a:solidFill>
+              <a:srgbClr val="FF0000"/>
+            </a:solidFill>
+          </a:ln>
+        </p:spPr>
+        <p:txBody>
+          <a:bodyPr wrap="square" rtlCol="0">
+            <a:spAutoFit/>
+          </a:bodyPr>
+          <a:lstStyle/>
+          <a:p>
+            <a:r>
+              <a:rPr lang="en-US" dirty="0" smtClean="0">
+                <a:solidFill>
+                  <a:srgbClr val="0070C0"/>
+                </a:solidFill>
+              </a:rPr>
+              <a:t>Controller schema</a:t>
+            </a:r>
+          </a:p>
+          <a:p>
+            <a:r>
+              <a:rPr lang="en-US" dirty="0" smtClean="0">
+                <a:solidFill>
+                  <a:srgbClr val="0070C0"/>
+                </a:solidFill>
+              </a:rPr>
+              <a:t>- </a:t>
+            </a:r>
+            <a:r>
+              <a:rPr lang="en-US" dirty="0" err="1" smtClean="0">
+                <a:solidFill>
+                  <a:srgbClr val="0070C0"/>
+                </a:solidFill>
+              </a:rPr>
+              <a:t>project_id</a:t>
+            </a:r>
+            <a:endParaRPr lang="en-US" dirty="0" smtClean="0">
+              <a:solidFill>
+                <a:srgbClr val="0070C0"/>
+              </a:solidFill>
+            </a:endParaRPr>
+          </a:p>
+          <a:p>
+            <a:r>
+              <a:rPr lang="en-US" dirty="0" smtClean="0">
+                <a:solidFill>
+                  <a:srgbClr val="0070C0"/>
+                </a:solidFill>
+              </a:rPr>
+              <a:t>- </a:t>
+            </a:r>
+            <a:r>
+              <a:rPr lang="en-US" dirty="0" err="1" smtClean="0">
+                <a:solidFill>
+                  <a:srgbClr val="0070C0"/>
+                </a:solidFill>
+              </a:rPr>
+              <a:t>feature_id</a:t>
+            </a:r>
+            <a:endParaRPr lang="en-US" dirty="0" smtClean="0">
+              <a:solidFill>
+                <a:srgbClr val="0070C0"/>
+              </a:solidFill>
+            </a:endParaRPr>
+          </a:p>
+          <a:p>
+            <a:endParaRPr lang="en-US" dirty="0">
+              <a:solidFill>
+                <a:srgbClr val="0070C0"/>
+              </a:solidFill>
+            </a:endParaRPr>
+          </a:p>
+        </p:txBody>
+      </p:sp>
+      <p:cxnSp>
+        <p:nvCxnSpPr>
+          <p:cNvPr id="21" name="Straight Arrow Connector 20"/>
+          <p:cNvCxnSpPr/>
+          <p:nvPr/>
+        </p:nvCxnSpPr>
+        <p:spPr>
+          <a:xfrm flipH="1">
+            <a:off x="4121426" y="1258957"/>
+            <a:ext cx="3742414" cy="1762539"/>
+          </a:xfrm>
+          <a:prstGeom prst="straightConnector1">
+            <a:avLst/>
+          </a:prstGeom>
+          <a:ln>
+            <a:tailEnd type="triangle"/>
+          </a:ln>
+        </p:spPr>
+        <p:style>
+          <a:lnRef idx="1">
+            <a:schemeClr val="accent1"/>
+          </a:lnRef>
+          <a:fillRef idx="0">
+            <a:schemeClr val="accent1"/>
+          </a:fillRef>
+          <a:effectRef idx="0">
+            <a:schemeClr val="accent1"/>
+          </a:effectRef>
+          <a:fontRef idx="minor">
+            <a:schemeClr val="tx1"/>
+          </a:fontRef>
+        </p:style>
+      </p:cxnSp>
+      <p:cxnSp>
+        <p:nvCxnSpPr>
+          <p:cNvPr id="24" name="Straight Arrow Connector 23"/>
+          <p:cNvCxnSpPr/>
+          <p:nvPr/>
+        </p:nvCxnSpPr>
+        <p:spPr>
+          <a:xfrm flipH="1" flipV="1">
+            <a:off x="3260035" y="3352800"/>
+            <a:ext cx="861391" cy="1433959"/>
+          </a:xfrm>
+          <a:prstGeom prst="straightConnector1">
+            <a:avLst/>
+          </a:prstGeom>
+          <a:ln>
+            <a:tailEnd type="triangle"/>
+          </a:ln>
+        </p:spPr>
+        <p:style>
+          <a:lnRef idx="1">
+            <a:schemeClr val="accent1"/>
+          </a:lnRef>
+          <a:fillRef idx="0">
+            <a:schemeClr val="accent1"/>
+          </a:fillRef>
+          <a:effectRef idx="0">
+            <a:schemeClr val="accent1"/>
+          </a:effectRef>
+          <a:fontRef idx="minor">
+            <a:schemeClr val="tx1"/>
+          </a:fontRef>
+        </p:style>
+      </p:cxnSp>
+      <p:cxnSp>
+        <p:nvCxnSpPr>
+          <p:cNvPr id="27" name="Straight Arrow Connector 26"/>
+          <p:cNvCxnSpPr/>
+          <p:nvPr/>
+        </p:nvCxnSpPr>
+        <p:spPr>
+          <a:xfrm flipH="1" flipV="1">
+            <a:off x="2544417" y="1555414"/>
+            <a:ext cx="5319424" cy="1187786"/>
+          </a:xfrm>
+          <a:prstGeom prst="straightConnector1">
+            <a:avLst/>
+          </a:prstGeom>
+          <a:ln>
+            <a:tailEnd type="triangle"/>
+          </a:ln>
+        </p:spPr>
+        <p:style>
+          <a:lnRef idx="1">
+            <a:schemeClr val="accent1"/>
+          </a:lnRef>
+          <a:fillRef idx="0">
+            <a:schemeClr val="accent1"/>
+          </a:fillRef>
+          <a:effectRef idx="0">
+            <a:schemeClr val="accent1"/>
+          </a:effectRef>
+          <a:fontRef idx="minor">
+            <a:schemeClr val="tx1"/>
+          </a:fontRef>
+        </p:style>
+      </p:cxnSp>
     </p:spTree>
     <p:extLst>
       <p:ext uri="{BB962C8B-B14F-4D97-AF65-F5344CB8AC3E}">

--- a/Geospatial Online Project.pptx
+++ b/Geospatial Online Project.pptx
@@ -470,6 +470,90 @@
 </file>
 
 <file path=ppt/notesSlides/notesSlide1.xml><?xml version="1.0" encoding="utf-8"?>
+<p:notes xmlns:a="http://schemas.openxmlformats.org/drawingml/2006/main" xmlns:r="http://schemas.openxmlformats.org/officeDocument/2006/relationships" xmlns:p="http://schemas.openxmlformats.org/presentationml/2006/main">
+  <p:cSld>
+    <p:spTree>
+      <p:nvGrpSpPr>
+        <p:cNvPr id="1" name=""/>
+        <p:cNvGrpSpPr/>
+        <p:nvPr/>
+      </p:nvGrpSpPr>
+      <p:grpSpPr>
+        <a:xfrm>
+          <a:off x="0" y="0"/>
+          <a:ext cx="0" cy="0"/>
+          <a:chOff x="0" y="0"/>
+          <a:chExt cx="0" cy="0"/>
+        </a:xfrm>
+      </p:grpSpPr>
+      <p:sp>
+        <p:nvSpPr>
+          <p:cNvPr id="2" name="Slide Image Placeholder 1"/>
+          <p:cNvSpPr>
+            <a:spLocks noGrp="1" noRot="1" noChangeAspect="1"/>
+          </p:cNvSpPr>
+          <p:nvPr>
+            <p:ph type="sldImg"/>
+          </p:nvPr>
+        </p:nvSpPr>
+        <p:spPr/>
+      </p:sp>
+      <p:sp>
+        <p:nvSpPr>
+          <p:cNvPr id="3" name="Notes Placeholder 2"/>
+          <p:cNvSpPr>
+            <a:spLocks noGrp="1"/>
+          </p:cNvSpPr>
+          <p:nvPr>
+            <p:ph type="body" idx="1"/>
+          </p:nvPr>
+        </p:nvSpPr>
+        <p:spPr/>
+        <p:txBody>
+          <a:bodyPr/>
+          <a:lstStyle/>
+          <a:p>
+            <a:endParaRPr lang="en-US" dirty="0"/>
+          </a:p>
+        </p:txBody>
+      </p:sp>
+      <p:sp>
+        <p:nvSpPr>
+          <p:cNvPr id="4" name="Slide Number Placeholder 3"/>
+          <p:cNvSpPr>
+            <a:spLocks noGrp="1"/>
+          </p:cNvSpPr>
+          <p:nvPr>
+            <p:ph type="sldNum" sz="quarter" idx="10"/>
+          </p:nvPr>
+        </p:nvSpPr>
+        <p:spPr/>
+        <p:txBody>
+          <a:bodyPr/>
+          <a:lstStyle/>
+          <a:p>
+            <a:fld id="{925689F2-BBCC-4249-A1C0-857DB06C99E6}" type="slidenum">
+              <a:rPr lang="en-US" smtClean="0"/>
+              <a:t>4</a:t>
+            </a:fld>
+            <a:endParaRPr lang="en-US"/>
+          </a:p>
+        </p:txBody>
+      </p:sp>
+    </p:spTree>
+    <p:extLst>
+      <p:ext uri="{BB962C8B-B14F-4D97-AF65-F5344CB8AC3E}">
+        <p14:creationId xmlns:p14="http://schemas.microsoft.com/office/powerpoint/2010/main" val="723956053"/>
+      </p:ext>
+    </p:extLst>
+  </p:cSld>
+  <p:clrMapOvr>
+    <a:masterClrMapping/>
+  </p:clrMapOvr>
+</p:notes>
+</file>
+
+<file path=ppt/notesSlides/notesSlide2.xml><?xml version="1.0" encoding="utf-8"?>
 <p:notes xmlns:a="http://schemas.openxmlformats.org/drawingml/2006/main" xmlns:r="http://schemas.openxmlformats.org/officeDocument/2006/relationships" xmlns:p="http://schemas.openxmlformats.org/presentationml/2006/main">
   <p:cSld>
     <p:spTree>
@@ -3808,7 +3892,7 @@
         </p:nvSpPr>
         <p:spPr>
           <a:xfrm>
-            <a:off x="7863840" y="1076959"/>
+            <a:off x="7863840" y="1143522"/>
             <a:ext cx="4123721" cy="2369880"/>
           </a:xfrm>
           <a:prstGeom prst="rect">
@@ -4103,7 +4187,7 @@
         </p:nvSpPr>
         <p:spPr>
           <a:xfrm>
-            <a:off x="4012239" y="4786759"/>
+            <a:off x="3949992" y="4786759"/>
             <a:ext cx="4085281" cy="1754326"/>
           </a:xfrm>
           <a:prstGeom prst="rect">
@@ -4214,8 +4298,8 @@
         </p:nvSpPr>
         <p:spPr>
           <a:xfrm>
-            <a:off x="96397" y="4714240"/>
-            <a:ext cx="2758564" cy="1477328"/>
+            <a:off x="96397" y="5075582"/>
+            <a:ext cx="2120709" cy="2031325"/>
           </a:xfrm>
           <a:prstGeom prst="rect">
             <a:avLst/>
@@ -4283,8 +4367,8 @@
         </p:nvSpPr>
         <p:spPr>
           <a:xfrm>
-            <a:off x="2955236" y="2570922"/>
-            <a:ext cx="3458816" cy="1200329"/>
+            <a:off x="2661920" y="2570922"/>
+            <a:ext cx="3752131" cy="1477328"/>
           </a:xfrm>
           <a:prstGeom prst="rect">
             <a:avLst/>
@@ -4351,6 +4435,13 @@
               </a:rPr>
               <a:t>feature_id</a:t>
             </a:r>
+            <a:endParaRPr lang="en-US" dirty="0" smtClean="0">
+              <a:solidFill>
+                <a:srgbClr val="0070C0"/>
+              </a:solidFill>
+            </a:endParaRPr>
+          </a:p>
+          <a:p>
             <a:endParaRPr lang="en-US" dirty="0" smtClean="0">
               <a:solidFill>
                 <a:srgbClr val="0070C0"/>
@@ -4623,14 +4714,14 @@
       </p:grpSpPr>
       <p:sp>
         <p:nvSpPr>
-          <p:cNvPr id="5" name="TextBox 4"/>
+          <p:cNvPr id="9" name="TextBox 8"/>
           <p:cNvSpPr txBox="1"/>
           <p:nvPr/>
         </p:nvSpPr>
         <p:spPr>
           <a:xfrm>
-            <a:off x="248920" y="1102043"/>
-            <a:ext cx="2600960" cy="4927600"/>
+            <a:off x="392938" y="1182480"/>
+            <a:ext cx="11641328" cy="3148060"/>
           </a:xfrm>
           <a:prstGeom prst="rect">
             <a:avLst/>
@@ -4654,14 +4745,14 @@
       </p:sp>
       <p:sp>
         <p:nvSpPr>
-          <p:cNvPr id="7" name="TextBox 6"/>
+          <p:cNvPr id="10" name="TextBox 9"/>
           <p:cNvSpPr txBox="1"/>
           <p:nvPr/>
         </p:nvSpPr>
         <p:spPr>
           <a:xfrm>
-            <a:off x="9392920" y="1249680"/>
-            <a:ext cx="2565400" cy="4927600"/>
+            <a:off x="328676" y="4248757"/>
+            <a:ext cx="11641328" cy="369332"/>
           </a:xfrm>
           <a:prstGeom prst="rect">
             <a:avLst/>
@@ -4679,186 +4770,11 @@
           </a:bodyPr>
           <a:lstStyle/>
           <a:p>
-            <a:endParaRPr lang="en-US"/>
-          </a:p>
-        </p:txBody>
-      </p:sp>
-      <p:sp>
-        <p:nvSpPr>
-          <p:cNvPr id="8" name="TextBox 7"/>
-          <p:cNvSpPr txBox="1"/>
-          <p:nvPr/>
-        </p:nvSpPr>
-        <p:spPr>
-          <a:xfrm>
-            <a:off x="2956560" y="1117600"/>
-            <a:ext cx="6268720" cy="369332"/>
-          </a:xfrm>
-          <a:prstGeom prst="rect">
-            <a:avLst/>
-          </a:prstGeom>
-          <a:noFill/>
-          <a:ln>
-            <a:solidFill>
-              <a:schemeClr val="tx1"/>
-            </a:solidFill>
-          </a:ln>
-        </p:spPr>
-        <p:txBody>
-          <a:bodyPr wrap="square" rtlCol="0">
-            <a:spAutoFit/>
-          </a:bodyPr>
-          <a:lstStyle/>
-          <a:p>
-            <a:r>
-              <a:rPr lang="en-US" dirty="0" smtClean="0"/>
-              <a:t>		MAP SECTION</a:t>
-            </a:r>
-            <a:endParaRPr lang="en-US" dirty="0"/>
-          </a:p>
-        </p:txBody>
-      </p:sp>
-      <p:sp>
-        <p:nvSpPr>
-          <p:cNvPr id="9" name="TextBox 8"/>
-          <p:cNvSpPr txBox="1"/>
-          <p:nvPr/>
-        </p:nvSpPr>
-        <p:spPr>
-          <a:xfrm>
-            <a:off x="2956560" y="1971040"/>
-            <a:ext cx="5811520" cy="3576320"/>
-          </a:xfrm>
-          <a:prstGeom prst="rect">
-            <a:avLst/>
-          </a:prstGeom>
-          <a:noFill/>
-          <a:ln>
-            <a:solidFill>
-              <a:schemeClr val="tx1"/>
-            </a:solidFill>
-          </a:ln>
-        </p:spPr>
-        <p:txBody>
-          <a:bodyPr wrap="square" rtlCol="0">
-            <a:spAutoFit/>
-          </a:bodyPr>
-          <a:lstStyle/>
-          <a:p>
-            <a:endParaRPr lang="en-US"/>
-          </a:p>
-        </p:txBody>
-      </p:sp>
-      <p:sp>
-        <p:nvSpPr>
-          <p:cNvPr id="10" name="TextBox 9"/>
-          <p:cNvSpPr txBox="1"/>
-          <p:nvPr/>
-        </p:nvSpPr>
-        <p:spPr>
-          <a:xfrm>
-            <a:off x="2956560" y="5577840"/>
-            <a:ext cx="6360160" cy="369332"/>
-          </a:xfrm>
-          <a:prstGeom prst="rect">
-            <a:avLst/>
-          </a:prstGeom>
-          <a:noFill/>
-          <a:ln>
-            <a:solidFill>
-              <a:schemeClr val="tx1"/>
-            </a:solidFill>
-          </a:ln>
-        </p:spPr>
-        <p:txBody>
-          <a:bodyPr wrap="square" rtlCol="0">
-            <a:spAutoFit/>
-          </a:bodyPr>
-          <a:lstStyle/>
-          <a:p>
-            <a:r>
-              <a:rPr lang="en-US" smtClean="0"/>
-              <a:t>  			 MAP's TOOLs</a:t>
-            </a:r>
-            <a:endParaRPr lang="en-US"/>
-          </a:p>
-        </p:txBody>
-      </p:sp>
-      <p:sp>
-        <p:nvSpPr>
-          <p:cNvPr id="11" name="TextBox 10"/>
-          <p:cNvSpPr txBox="1"/>
-          <p:nvPr/>
-        </p:nvSpPr>
-        <p:spPr>
-          <a:xfrm>
-            <a:off x="9469120" y="1302266"/>
-            <a:ext cx="2387600" cy="369332"/>
-          </a:xfrm>
-          <a:prstGeom prst="rect">
-            <a:avLst/>
-          </a:prstGeom>
-          <a:noFill/>
-          <a:ln>
-            <a:solidFill>
-              <a:schemeClr val="tx1"/>
-            </a:solidFill>
-          </a:ln>
-        </p:spPr>
-        <p:txBody>
-          <a:bodyPr wrap="square" rtlCol="0">
-            <a:spAutoFit/>
-          </a:bodyPr>
-          <a:lstStyle/>
-          <a:p>
             <a:r>
               <a:rPr lang="en-US" dirty="0" smtClean="0"/>
               <a:t>  </a:t>
             </a:r>
-            <a:r>
-              <a:rPr lang="en-US" sz="1600" dirty="0" smtClean="0"/>
-              <a:t>List of available data API</a:t>
-            </a:r>
-            <a:endParaRPr lang="en-US" sz="1600" dirty="0"/>
-          </a:p>
-        </p:txBody>
-      </p:sp>
-      <p:sp>
-        <p:nvSpPr>
-          <p:cNvPr id="12" name="TextBox 11"/>
-          <p:cNvSpPr txBox="1"/>
-          <p:nvPr/>
-        </p:nvSpPr>
-        <p:spPr>
-          <a:xfrm>
-            <a:off x="467360" y="2641600"/>
-            <a:ext cx="2275840" cy="369332"/>
-          </a:xfrm>
-          <a:prstGeom prst="rect">
-            <a:avLst/>
-          </a:prstGeom>
-          <a:noFill/>
-          <a:ln>
-            <a:solidFill>
-              <a:schemeClr val="tx1"/>
-            </a:solidFill>
-          </a:ln>
-        </p:spPr>
-        <p:txBody>
-          <a:bodyPr wrap="square" rtlCol="0">
-            <a:spAutoFit/>
-          </a:bodyPr>
-          <a:lstStyle/>
-          <a:p>
-            <a:r>
-              <a:rPr lang="en-US" dirty="0" smtClean="0"/>
-              <a:t>  </a:t>
-            </a:r>
-            <a:r>
-              <a:rPr lang="en-US" sz="1600" dirty="0" smtClean="0"/>
-              <a:t>List of existent projects</a:t>
-            </a:r>
-            <a:endParaRPr lang="en-US" sz="1600" dirty="0"/>
+            <a:endParaRPr lang="en-US" dirty="0"/>
           </a:p>
         </p:txBody>
       </p:sp>
@@ -4905,20 +4821,32 @@
           <a:p>
             <a:pPr algn="ctr"/>
             <a:r>
-              <a:rPr lang="en-US" dirty="0" smtClean="0"/>
-              <a:t>FO</a:t>
+              <a:rPr lang="en-US" dirty="0">
+                <a:solidFill>
+                  <a:schemeClr val="tx1"/>
+                </a:solidFill>
+              </a:rPr>
+              <a:t>HOME |  </a:t>
             </a:r>
             <a:r>
               <a:rPr lang="en-US" dirty="0" smtClean="0">
                 <a:solidFill>
-                  <a:schemeClr val="tx1">
-                    <a:lumMod val="75000"/>
-                    <a:lumOff val="25000"/>
-                  </a:schemeClr>
+                  <a:schemeClr val="tx1"/>
                 </a:solidFill>
               </a:rPr>
-              <a:t>FOOTER</a:t>
-            </a:r>
+              <a:t>ESRI | </a:t>
+            </a:r>
+            <a:r>
+              <a:rPr lang="en-US" dirty="0">
+                <a:solidFill>
+                  <a:schemeClr val="tx1"/>
+                </a:solidFill>
+              </a:rPr>
+              <a:t>login/logout</a:t>
+            </a:r>
+          </a:p>
+          <a:p>
+            <a:pPr algn="ctr"/>
             <a:endParaRPr lang="en-US" dirty="0"/>
           </a:p>
         </p:txBody>
@@ -4931,8 +4859,8 @@
         </p:nvSpPr>
         <p:spPr>
           <a:xfrm>
-            <a:off x="558800" y="274320"/>
-            <a:ext cx="11196320" cy="802640"/>
+            <a:off x="355600" y="274320"/>
+            <a:ext cx="11641328" cy="802640"/>
           </a:xfrm>
           <a:prstGeom prst="rect">
             <a:avLst/>
@@ -4971,7 +4899,7 @@
                   <a:schemeClr val="tx1"/>
                 </a:solidFill>
               </a:rPr>
-              <a:t>HEADER</a:t>
+              <a:t>HOME |  MAP | login/logout</a:t>
             </a:r>
             <a:endParaRPr lang="en-US" dirty="0">
               <a:solidFill>
@@ -4983,14 +4911,14 @@
       </p:sp>
       <p:sp>
         <p:nvSpPr>
-          <p:cNvPr id="16" name="TextBox 15"/>
+          <p:cNvPr id="17" name="TextBox 16"/>
           <p:cNvSpPr txBox="1"/>
           <p:nvPr/>
         </p:nvSpPr>
         <p:spPr>
           <a:xfrm>
-            <a:off x="9380220" y="1295400"/>
-            <a:ext cx="2565400" cy="4927600"/>
+            <a:off x="355600" y="4272248"/>
+            <a:ext cx="1546352" cy="307777"/>
           </a:xfrm>
           <a:prstGeom prst="rect">
             <a:avLst/>
@@ -5008,20 +4936,24 @@
           </a:bodyPr>
           <a:lstStyle/>
           <a:p>
-            <a:endParaRPr lang="en-US"/>
-          </a:p>
-        </p:txBody>
-      </p:sp>
-      <p:sp>
-        <p:nvSpPr>
-          <p:cNvPr id="17" name="TextBox 16"/>
+            <a:r>
+              <a:rPr lang="en-US" sz="1400" dirty="0" smtClean="0"/>
+              <a:t>Your projects</a:t>
+            </a:r>
+            <a:endParaRPr lang="en-US" sz="1400" dirty="0"/>
+          </a:p>
+        </p:txBody>
+      </p:sp>
+      <p:sp>
+        <p:nvSpPr>
+          <p:cNvPr id="19" name="TextBox 18"/>
           <p:cNvSpPr txBox="1"/>
           <p:nvPr/>
         </p:nvSpPr>
         <p:spPr>
           <a:xfrm>
-            <a:off x="9519920" y="5721866"/>
-            <a:ext cx="2387600" cy="307777"/>
+            <a:off x="3063240" y="4272248"/>
+            <a:ext cx="1170432" cy="307777"/>
           </a:xfrm>
           <a:prstGeom prst="rect">
             <a:avLst/>
@@ -5040,8 +4972,12 @@
           <a:lstStyle/>
           <a:p>
             <a:r>
+              <a:rPr lang="en-US" sz="1200" dirty="0" smtClean="0"/>
+              <a:t>shared project</a:t>
+            </a:r>
+            <a:r>
               <a:rPr lang="en-US" sz="1400" dirty="0" smtClean="0"/>
-              <a:t>Add data from keyboard</a:t>
+              <a:t> </a:t>
             </a:r>
             <a:endParaRPr lang="en-US" sz="1400" dirty="0"/>
           </a:p>
@@ -5049,18 +4985,124 @@
       </p:sp>
       <p:sp>
         <p:nvSpPr>
-          <p:cNvPr id="2" name="Rectangle 1"/>
-          <p:cNvSpPr/>
+          <p:cNvPr id="21" name="TextBox 20"/>
+          <p:cNvSpPr txBox="1"/>
           <p:nvPr/>
         </p:nvSpPr>
         <p:spPr>
           <a:xfrm>
-            <a:off x="467360" y="1574800"/>
-            <a:ext cx="2225040" cy="802640"/>
+            <a:off x="4645152" y="4753570"/>
+            <a:ext cx="2136140" cy="276999"/>
           </a:xfrm>
           <a:prstGeom prst="rect">
             <a:avLst/>
           </a:prstGeom>
+          <a:noFill/>
+          <a:ln>
+            <a:solidFill>
+              <a:schemeClr val="tx1"/>
+            </a:solidFill>
+          </a:ln>
+        </p:spPr>
+        <p:txBody>
+          <a:bodyPr wrap="square" rtlCol="0">
+            <a:spAutoFit/>
+          </a:bodyPr>
+          <a:lstStyle/>
+          <a:p>
+            <a:r>
+              <a:rPr lang="en-US" sz="1200" dirty="0" smtClean="0"/>
+              <a:t>Available feature service</a:t>
+            </a:r>
+            <a:endParaRPr lang="en-US" sz="1200" dirty="0"/>
+          </a:p>
+        </p:txBody>
+      </p:sp>
+      <p:sp>
+        <p:nvSpPr>
+          <p:cNvPr id="22" name="TextBox 21"/>
+          <p:cNvSpPr txBox="1"/>
+          <p:nvPr/>
+        </p:nvSpPr>
+        <p:spPr>
+          <a:xfrm>
+            <a:off x="7726680" y="4332946"/>
+            <a:ext cx="1388872" cy="276999"/>
+          </a:xfrm>
+          <a:prstGeom prst="rect">
+            <a:avLst/>
+          </a:prstGeom>
+          <a:noFill/>
+          <a:ln>
+            <a:solidFill>
+              <a:schemeClr val="tx1"/>
+            </a:solidFill>
+          </a:ln>
+        </p:spPr>
+        <p:txBody>
+          <a:bodyPr wrap="square" rtlCol="0">
+            <a:spAutoFit/>
+          </a:bodyPr>
+          <a:lstStyle/>
+          <a:p>
+            <a:r>
+              <a:rPr lang="en-US" sz="1200" dirty="0" err="1" smtClean="0"/>
+              <a:t>basemaps</a:t>
+            </a:r>
+            <a:endParaRPr lang="en-US" sz="1200" dirty="0"/>
+          </a:p>
+        </p:txBody>
+      </p:sp>
+      <p:sp>
+        <p:nvSpPr>
+          <p:cNvPr id="23" name="TextBox 22"/>
+          <p:cNvSpPr txBox="1"/>
+          <p:nvPr/>
+        </p:nvSpPr>
+        <p:spPr>
+          <a:xfrm>
+            <a:off x="9217152" y="4332946"/>
+            <a:ext cx="2639568" cy="276999"/>
+          </a:xfrm>
+          <a:prstGeom prst="rect">
+            <a:avLst/>
+          </a:prstGeom>
+          <a:noFill/>
+          <a:ln>
+            <a:solidFill>
+              <a:schemeClr val="tx1"/>
+            </a:solidFill>
+          </a:ln>
+        </p:spPr>
+        <p:txBody>
+          <a:bodyPr wrap="square" rtlCol="0">
+            <a:spAutoFit/>
+          </a:bodyPr>
+          <a:lstStyle/>
+          <a:p>
+            <a:r>
+              <a:rPr lang="en-US" sz="1200" dirty="0" smtClean="0"/>
+              <a:t>Search box</a:t>
+            </a:r>
+            <a:endParaRPr lang="en-US" sz="1200" dirty="0"/>
+          </a:p>
+        </p:txBody>
+      </p:sp>
+      <p:sp>
+        <p:nvSpPr>
+          <p:cNvPr id="4" name="Rectangle 3"/>
+          <p:cNvSpPr/>
+          <p:nvPr/>
+        </p:nvSpPr>
+        <p:spPr>
+          <a:xfrm>
+            <a:off x="328676" y="4727448"/>
+            <a:ext cx="4078732" cy="1347617"/>
+          </a:xfrm>
+          <a:prstGeom prst="rect">
+            <a:avLst/>
+          </a:prstGeom>
+          <a:noFill/>
         </p:spPr>
         <p:style>
           <a:lnRef idx="2">
@@ -5084,10 +5126,186 @@
           <a:p>
             <a:pPr algn="ctr"/>
             <a:r>
-              <a:rPr lang="en-US" dirty="0" smtClean="0"/>
-              <a:t>Show user name</a:t>
-            </a:r>
-            <a:endParaRPr lang="en-US" dirty="0"/>
+              <a:rPr lang="en-US" dirty="0" smtClean="0">
+                <a:solidFill>
+                  <a:schemeClr val="tx1"/>
+                </a:solidFill>
+              </a:rPr>
+              <a:t>profile</a:t>
+            </a:r>
+            <a:endParaRPr lang="en-US" dirty="0">
+              <a:solidFill>
+                <a:schemeClr val="tx1"/>
+              </a:solidFill>
+            </a:endParaRPr>
+          </a:p>
+        </p:txBody>
+      </p:sp>
+      <p:sp>
+        <p:nvSpPr>
+          <p:cNvPr id="25" name="Rectangle 24"/>
+          <p:cNvSpPr/>
+          <p:nvPr/>
+        </p:nvSpPr>
+        <p:spPr>
+          <a:xfrm>
+            <a:off x="4498848" y="4753678"/>
+            <a:ext cx="7357872" cy="1321388"/>
+          </a:xfrm>
+          <a:prstGeom prst="rect">
+            <a:avLst/>
+          </a:prstGeom>
+          <a:noFill/>
+        </p:spPr>
+        <p:style>
+          <a:lnRef idx="2">
+            <a:schemeClr val="accent1">
+              <a:shade val="50000"/>
+            </a:schemeClr>
+          </a:lnRef>
+          <a:fillRef idx="1">
+            <a:schemeClr val="accent1"/>
+          </a:fillRef>
+          <a:effectRef idx="0">
+            <a:schemeClr val="accent1"/>
+          </a:effectRef>
+          <a:fontRef idx="minor">
+            <a:schemeClr val="lt1"/>
+          </a:fontRef>
+        </p:style>
+        <p:txBody>
+          <a:bodyPr rtlCol="0" anchor="ctr"/>
+          <a:lstStyle/>
+          <a:p>
+            <a:pPr algn="ctr"/>
+            <a:r>
+              <a:rPr lang="en-US" dirty="0" smtClean="0">
+                <a:solidFill>
+                  <a:schemeClr val="tx1">
+                    <a:lumMod val="75000"/>
+                    <a:lumOff val="25000"/>
+                  </a:schemeClr>
+                </a:solidFill>
+              </a:rPr>
+              <a:t>Create new/load old  </a:t>
+            </a:r>
+            <a:endParaRPr lang="en-US" dirty="0">
+              <a:solidFill>
+                <a:schemeClr val="tx1">
+                  <a:lumMod val="75000"/>
+                  <a:lumOff val="25000"/>
+                </a:schemeClr>
+              </a:solidFill>
+            </a:endParaRPr>
+          </a:p>
+        </p:txBody>
+      </p:sp>
+      <p:sp>
+        <p:nvSpPr>
+          <p:cNvPr id="26" name="TextBox 25"/>
+          <p:cNvSpPr txBox="1"/>
+          <p:nvPr/>
+        </p:nvSpPr>
+        <p:spPr>
+          <a:xfrm>
+            <a:off x="4301236" y="4315300"/>
+            <a:ext cx="865124" cy="307777"/>
+          </a:xfrm>
+          <a:prstGeom prst="rect">
+            <a:avLst/>
+          </a:prstGeom>
+          <a:noFill/>
+          <a:ln>
+            <a:solidFill>
+              <a:schemeClr val="tx1"/>
+            </a:solidFill>
+          </a:ln>
+        </p:spPr>
+        <p:txBody>
+          <a:bodyPr wrap="square" rtlCol="0">
+            <a:spAutoFit/>
+          </a:bodyPr>
+          <a:lstStyle/>
+          <a:p>
+            <a:r>
+              <a:rPr lang="en-US" sz="1400" dirty="0" smtClean="0"/>
+              <a:t>load </a:t>
+            </a:r>
+            <a:endParaRPr lang="en-US" sz="1400" dirty="0"/>
+          </a:p>
+        </p:txBody>
+      </p:sp>
+      <p:sp>
+        <p:nvSpPr>
+          <p:cNvPr id="27" name="TextBox 26"/>
+          <p:cNvSpPr txBox="1"/>
+          <p:nvPr/>
+        </p:nvSpPr>
+        <p:spPr>
+          <a:xfrm>
+            <a:off x="1969516" y="4330540"/>
+            <a:ext cx="915670" cy="307777"/>
+          </a:xfrm>
+          <a:prstGeom prst="rect">
+            <a:avLst/>
+          </a:prstGeom>
+          <a:noFill/>
+          <a:ln>
+            <a:solidFill>
+              <a:schemeClr val="tx1"/>
+            </a:solidFill>
+          </a:ln>
+        </p:spPr>
+        <p:txBody>
+          <a:bodyPr wrap="square" rtlCol="0">
+            <a:spAutoFit/>
+          </a:bodyPr>
+          <a:lstStyle/>
+          <a:p>
+            <a:r>
+              <a:rPr lang="en-US" sz="1400" dirty="0" smtClean="0"/>
+              <a:t>Load/edit </a:t>
+            </a:r>
+            <a:endParaRPr lang="en-US" sz="1400" dirty="0"/>
+          </a:p>
+        </p:txBody>
+      </p:sp>
+      <p:sp>
+        <p:nvSpPr>
+          <p:cNvPr id="28" name="TextBox 27"/>
+          <p:cNvSpPr txBox="1"/>
+          <p:nvPr/>
+        </p:nvSpPr>
+        <p:spPr>
+          <a:xfrm>
+            <a:off x="10753852" y="5711284"/>
+            <a:ext cx="836422" cy="307777"/>
+          </a:xfrm>
+          <a:prstGeom prst="rect">
+            <a:avLst/>
+          </a:prstGeom>
+          <a:noFill/>
+          <a:ln>
+            <a:solidFill>
+              <a:schemeClr val="tx1"/>
+            </a:solidFill>
+          </a:ln>
+        </p:spPr>
+        <p:txBody>
+          <a:bodyPr wrap="square" rtlCol="0">
+            <a:spAutoFit/>
+          </a:bodyPr>
+          <a:lstStyle/>
+          <a:p>
+            <a:r>
+              <a:rPr lang="en-US" sz="1400" dirty="0" smtClean="0"/>
+              <a:t>save</a:t>
+            </a:r>
+            <a:r>
+              <a:rPr lang="en-US" sz="1400" dirty="0" smtClean="0"/>
+              <a:t> </a:t>
+            </a:r>
+            <a:endParaRPr lang="en-US" sz="1400" dirty="0"/>
           </a:p>
         </p:txBody>
       </p:sp>

--- a/Geospatial Online Project.pptx
+++ b/Geospatial Online Project.pptx
@@ -3893,7 +3893,7 @@
         <p:spPr>
           <a:xfrm>
             <a:off x="7863840" y="1143522"/>
-            <a:ext cx="4123721" cy="2369880"/>
+            <a:ext cx="4123721" cy="2585323"/>
           </a:xfrm>
           <a:prstGeom prst="rect">
             <a:avLst/>
@@ -4089,6 +4089,60 @@
                 </a:solidFill>
               </a:rPr>
               <a:t>boolean</a:t>
+            </a:r>
+            <a:endParaRPr lang="en-US" sz="1400" dirty="0" smtClean="0">
+              <a:solidFill>
+                <a:schemeClr val="tx1">
+                  <a:lumMod val="95000"/>
+                  <a:lumOff val="5000"/>
+                </a:schemeClr>
+              </a:solidFill>
+            </a:endParaRPr>
+          </a:p>
+          <a:p>
+            <a:r>
+              <a:rPr lang="en-US" sz="1400" dirty="0" smtClean="0">
+                <a:solidFill>
+                  <a:schemeClr val="tx1">
+                    <a:lumMod val="95000"/>
+                    <a:lumOff val="5000"/>
+                  </a:schemeClr>
+                </a:solidFill>
+              </a:rPr>
+              <a:t>-</a:t>
+            </a:r>
+            <a:r>
+              <a:rPr lang="en-US" sz="1400" dirty="0" err="1" smtClean="0">
+                <a:solidFill>
+                  <a:schemeClr val="tx1">
+                    <a:lumMod val="95000"/>
+                    <a:lumOff val="5000"/>
+                  </a:schemeClr>
+                </a:solidFill>
+              </a:rPr>
+              <a:t>url</a:t>
+            </a:r>
+            <a:r>
+              <a:rPr lang="en-US" sz="1400" dirty="0" smtClean="0">
+                <a:solidFill>
+                  <a:schemeClr val="tx1">
+                    <a:lumMod val="95000"/>
+                    <a:lumOff val="5000"/>
+                  </a:schemeClr>
+                </a:solidFill>
+              </a:rPr>
+              <a:t> : string //feature </a:t>
+            </a:r>
+            <a:r>
+              <a:rPr lang="en-US" sz="1400" smtClean="0">
+                <a:solidFill>
+                  <a:schemeClr val="tx1">
+                    <a:lumMod val="95000"/>
+                    <a:lumOff val="5000"/>
+                  </a:schemeClr>
+                </a:solidFill>
+              </a:rPr>
+              <a:t>url</a:t>
             </a:r>
             <a:endParaRPr lang="en-US" sz="1400" dirty="0">
               <a:solidFill>
@@ -5244,7 +5298,7 @@
         <p:spPr>
           <a:xfrm>
             <a:off x="1969516" y="4330540"/>
-            <a:ext cx="915670" cy="307777"/>
+            <a:ext cx="1026160" cy="307777"/>
           </a:xfrm>
           <a:prstGeom prst="rect">
             <a:avLst/>

--- a/Geospatial Online Project.pptx
+++ b/Geospatial Online Project.pptx
@@ -5,7 +5,7 @@
     <p:sldMasterId id="2147483648" r:id="rId1"/>
   </p:sldMasterIdLst>
   <p:notesMasterIdLst>
-    <p:notesMasterId r:id="rId7"/>
+    <p:notesMasterId r:id="rId8"/>
   </p:notesMasterIdLst>
   <p:sldIdLst>
     <p:sldId id="257" r:id="rId2"/>
@@ -13,6 +13,7 @@
     <p:sldId id="260" r:id="rId4"/>
     <p:sldId id="258" r:id="rId5"/>
     <p:sldId id="259" r:id="rId6"/>
+    <p:sldId id="261" r:id="rId7"/>
   </p:sldIdLst>
   <p:sldSz cx="12192000" cy="6858000"/>
   <p:notesSz cx="6858000" cy="9144000"/>
@@ -4134,7 +4135,7 @@
               <a:t> : string //feature </a:t>
             </a:r>
             <a:r>
-              <a:rPr lang="en-US" sz="1400" smtClean="0">
+              <a:rPr lang="en-US" sz="1400" dirty="0" err="1" smtClean="0">
                 <a:solidFill>
                   <a:schemeClr val="tx1">
                     <a:lumMod val="95000"/>
@@ -5541,6 +5542,120 @@
     <p:extLst>
       <p:ext uri="{BB962C8B-B14F-4D97-AF65-F5344CB8AC3E}">
         <p14:creationId xmlns:p14="http://schemas.microsoft.com/office/powerpoint/2010/main" val="1500674914"/>
+      </p:ext>
+    </p:extLst>
+  </p:cSld>
+  <p:clrMapOvr>
+    <a:masterClrMapping/>
+  </p:clrMapOvr>
+  <p:timing>
+    <p:tnLst>
+      <p:par>
+        <p:cTn id="1" dur="indefinite" restart="never" nodeType="tmRoot"/>
+      </p:par>
+    </p:tnLst>
+  </p:timing>
+</p:sld>
+</file>
+
+<file path=ppt/slides/slide6.xml><?xml version="1.0" encoding="utf-8"?>
+<p:sld xmlns:a="http://schemas.openxmlformats.org/drawingml/2006/main" xmlns:r="http://schemas.openxmlformats.org/officeDocument/2006/relationships" xmlns:p="http://schemas.openxmlformats.org/presentationml/2006/main">
+  <p:cSld>
+    <p:spTree>
+      <p:nvGrpSpPr>
+        <p:cNvPr id="1" name=""/>
+        <p:cNvGrpSpPr/>
+        <p:nvPr/>
+      </p:nvGrpSpPr>
+      <p:grpSpPr>
+        <a:xfrm>
+          <a:off x="0" y="0"/>
+          <a:ext cx="0" cy="0"/>
+          <a:chOff x="0" y="0"/>
+          <a:chExt cx="0" cy="0"/>
+        </a:xfrm>
+      </p:grpSpPr>
+      <p:sp>
+        <p:nvSpPr>
+          <p:cNvPr id="3" name="Content Placeholder 2"/>
+          <p:cNvSpPr>
+            <a:spLocks noGrp="1"/>
+          </p:cNvSpPr>
+          <p:nvPr>
+            <p:ph idx="1"/>
+          </p:nvPr>
+        </p:nvSpPr>
+        <p:spPr>
+          <a:xfrm>
+            <a:off x="0" y="82296"/>
+            <a:ext cx="12060936" cy="6094667"/>
+          </a:xfrm>
+        </p:spPr>
+        <p:txBody>
+          <a:bodyPr>
+            <a:normAutofit/>
+          </a:bodyPr>
+          <a:lstStyle/>
+          <a:p>
+            <a:r>
+              <a:rPr lang="en-US" sz="1400" dirty="0" smtClean="0"/>
+              <a:t>1.     Save map to user project . </a:t>
+            </a:r>
+          </a:p>
+          <a:p>
+            <a:r>
+              <a:rPr lang="en-US" sz="1400" dirty="0" smtClean="0"/>
+              <a:t>2.     Change password </a:t>
+            </a:r>
+          </a:p>
+          <a:p>
+            <a:r>
+              <a:rPr lang="en-US" sz="1400" dirty="0" smtClean="0"/>
+              <a:t>3.     Edit Project: missing share option</a:t>
+            </a:r>
+          </a:p>
+          <a:p>
+            <a:r>
+              <a:rPr lang="en-US" sz="1400" dirty="0" smtClean="0"/>
+              <a:t>4.     Log in require when user trying to save project without login</a:t>
+            </a:r>
+          </a:p>
+          <a:p>
+            <a:r>
+              <a:rPr lang="en-US" sz="1400" dirty="0" smtClean="0"/>
+              <a:t>5.    input validation</a:t>
+            </a:r>
+          </a:p>
+          <a:p>
+            <a:r>
+              <a:rPr lang="en-US" sz="1400" dirty="0" smtClean="0"/>
+              <a:t>6.    Remove all layer at once</a:t>
+            </a:r>
+          </a:p>
+          <a:p>
+            <a:r>
+              <a:rPr lang="en-US" sz="1400" dirty="0" smtClean="0"/>
+              <a:t>7. missing column name in project and </a:t>
+            </a:r>
+            <a:r>
+              <a:rPr lang="en-US" sz="1400" dirty="0" err="1" smtClean="0"/>
+              <a:t>sharedproject</a:t>
+            </a:r>
+            <a:r>
+              <a:rPr lang="en-US" sz="1400" smtClean="0"/>
+              <a:t> table (??) </a:t>
+            </a:r>
+            <a:endParaRPr lang="en-US" sz="1400" dirty="0" smtClean="0"/>
+          </a:p>
+          <a:p>
+            <a:endParaRPr lang="en-US" sz="1400" dirty="0"/>
+          </a:p>
+        </p:txBody>
+      </p:sp>
+    </p:spTree>
+    <p:extLst>
+      <p:ext uri="{BB962C8B-B14F-4D97-AF65-F5344CB8AC3E}">
+        <p14:creationId xmlns:p14="http://schemas.microsoft.com/office/powerpoint/2010/main" val="1642763446"/>
       </p:ext>
     </p:extLst>
   </p:cSld>
